--- a/Junit5-indtoduction.pptx
+++ b/Junit5-indtoduction.pptx
@@ -5,15 +5,18 @@
     <p:sldMasterId id="2147483677" r:id="rId1"/>
   </p:sldMasterIdLst>
   <p:sldIdLst>
-    <p:sldId id="256" r:id="rId2"/>
-    <p:sldId id="258" r:id="rId3"/>
-    <p:sldId id="259" r:id="rId4"/>
-    <p:sldId id="260" r:id="rId5"/>
-    <p:sldId id="261" r:id="rId6"/>
-    <p:sldId id="262" r:id="rId7"/>
-    <p:sldId id="263" r:id="rId8"/>
-    <p:sldId id="264" r:id="rId9"/>
+    <p:sldId id="269" r:id="rId2"/>
+    <p:sldId id="256" r:id="rId3"/>
+    <p:sldId id="258" r:id="rId4"/>
+    <p:sldId id="259" r:id="rId5"/>
+    <p:sldId id="260" r:id="rId6"/>
+    <p:sldId id="261" r:id="rId7"/>
+    <p:sldId id="262" r:id="rId8"/>
+    <p:sldId id="263" r:id="rId9"/>
     <p:sldId id="265" r:id="rId10"/>
+    <p:sldId id="266" r:id="rId11"/>
+    <p:sldId id="267" r:id="rId12"/>
+    <p:sldId id="268" r:id="rId13"/>
   </p:sldIdLst>
   <p:sldSz cx="12192000" cy="6858000"/>
   <p:notesSz cx="6858000" cy="9144000"/>
@@ -112,6 +115,11 @@
       </a:defRPr>
     </a:lvl9pPr>
   </p:defaultTextStyle>
+  <p:extLst>
+    <p:ext uri="{EFAFB233-063F-42B5-8137-9DF3F51BA10A}">
+      <p15:sldGuideLst xmlns:p15="http://schemas.microsoft.com/office/powerpoint/2012/main"/>
+    </p:ext>
+  </p:extLst>
 </p:presentation>
 </file>
 
@@ -837,7 +845,7 @@
           <a:p>
             <a:fld id="{92DEE4D9-415A-4566-87ED-FCF56ABD0D49}" type="datetimeFigureOut">
               <a:rPr lang="en-IN" smtClean="0"/>
-              <a:t>12-02-2023</a:t>
+              <a:t>16-02-2023</a:t>
             </a:fld>
             <a:endParaRPr lang="en-IN"/>
           </a:p>
@@ -1088,7 +1096,7 @@
           <a:p>
             <a:fld id="{92DEE4D9-415A-4566-87ED-FCF56ABD0D49}" type="datetimeFigureOut">
               <a:rPr lang="en-IN" smtClean="0"/>
-              <a:t>12-02-2023</a:t>
+              <a:t>16-02-2023</a:t>
             </a:fld>
             <a:endParaRPr lang="en-IN"/>
           </a:p>
@@ -1402,7 +1410,7 @@
           <a:p>
             <a:fld id="{92DEE4D9-415A-4566-87ED-FCF56ABD0D49}" type="datetimeFigureOut">
               <a:rPr lang="en-IN" smtClean="0"/>
-              <a:t>12-02-2023</a:t>
+              <a:t>16-02-2023</a:t>
             </a:fld>
             <a:endParaRPr lang="en-IN"/>
           </a:p>
@@ -1743,7 +1751,7 @@
           <a:p>
             <a:fld id="{92DEE4D9-415A-4566-87ED-FCF56ABD0D49}" type="datetimeFigureOut">
               <a:rPr lang="en-IN" smtClean="0"/>
-              <a:t>12-02-2023</a:t>
+              <a:t>16-02-2023</a:t>
             </a:fld>
             <a:endParaRPr lang="en-IN"/>
           </a:p>
@@ -2057,7 +2065,7 @@
           <a:p>
             <a:fld id="{92DEE4D9-415A-4566-87ED-FCF56ABD0D49}" type="datetimeFigureOut">
               <a:rPr lang="en-IN" smtClean="0"/>
-              <a:t>12-02-2023</a:t>
+              <a:t>16-02-2023</a:t>
             </a:fld>
             <a:endParaRPr lang="en-IN"/>
           </a:p>
@@ -2450,7 +2458,7 @@
           <a:p>
             <a:fld id="{92DEE4D9-415A-4566-87ED-FCF56ABD0D49}" type="datetimeFigureOut">
               <a:rPr lang="en-IN" smtClean="0"/>
-              <a:t>12-02-2023</a:t>
+              <a:t>16-02-2023</a:t>
             </a:fld>
             <a:endParaRPr lang="en-IN"/>
           </a:p>
@@ -2620,7 +2628,7 @@
           <a:p>
             <a:fld id="{92DEE4D9-415A-4566-87ED-FCF56ABD0D49}" type="datetimeFigureOut">
               <a:rPr lang="en-IN" smtClean="0"/>
-              <a:t>12-02-2023</a:t>
+              <a:t>16-02-2023</a:t>
             </a:fld>
             <a:endParaRPr lang="en-IN"/>
           </a:p>
@@ -2800,7 +2808,7 @@
           <a:p>
             <a:fld id="{92DEE4D9-415A-4566-87ED-FCF56ABD0D49}" type="datetimeFigureOut">
               <a:rPr lang="en-IN" smtClean="0"/>
-              <a:t>12-02-2023</a:t>
+              <a:t>16-02-2023</a:t>
             </a:fld>
             <a:endParaRPr lang="en-IN"/>
           </a:p>
@@ -2976,7 +2984,7 @@
           <a:p>
             <a:fld id="{92DEE4D9-415A-4566-87ED-FCF56ABD0D49}" type="datetimeFigureOut">
               <a:rPr lang="en-IN" smtClean="0"/>
-              <a:t>12-02-2023</a:t>
+              <a:t>16-02-2023</a:t>
             </a:fld>
             <a:endParaRPr lang="en-IN"/>
           </a:p>
@@ -3223,7 +3231,7 @@
           <a:p>
             <a:fld id="{92DEE4D9-415A-4566-87ED-FCF56ABD0D49}" type="datetimeFigureOut">
               <a:rPr lang="en-IN" smtClean="0"/>
-              <a:t>12-02-2023</a:t>
+              <a:t>16-02-2023</a:t>
             </a:fld>
             <a:endParaRPr lang="en-IN"/>
           </a:p>
@@ -3455,7 +3463,7 @@
           <a:p>
             <a:fld id="{92DEE4D9-415A-4566-87ED-FCF56ABD0D49}" type="datetimeFigureOut">
               <a:rPr lang="en-IN" smtClean="0"/>
-              <a:t>12-02-2023</a:t>
+              <a:t>16-02-2023</a:t>
             </a:fld>
             <a:endParaRPr lang="en-IN"/>
           </a:p>
@@ -3829,7 +3837,7 @@
           <a:p>
             <a:fld id="{92DEE4D9-415A-4566-87ED-FCF56ABD0D49}" type="datetimeFigureOut">
               <a:rPr lang="en-IN" smtClean="0"/>
-              <a:t>12-02-2023</a:t>
+              <a:t>16-02-2023</a:t>
             </a:fld>
             <a:endParaRPr lang="en-IN"/>
           </a:p>
@@ -3952,7 +3960,7 @@
           <a:p>
             <a:fld id="{92DEE4D9-415A-4566-87ED-FCF56ABD0D49}" type="datetimeFigureOut">
               <a:rPr lang="en-IN" smtClean="0"/>
-              <a:t>12-02-2023</a:t>
+              <a:t>16-02-2023</a:t>
             </a:fld>
             <a:endParaRPr lang="en-IN"/>
           </a:p>
@@ -4047,7 +4055,7 @@
           <a:p>
             <a:fld id="{92DEE4D9-415A-4566-87ED-FCF56ABD0D49}" type="datetimeFigureOut">
               <a:rPr lang="en-IN" smtClean="0"/>
-              <a:t>12-02-2023</a:t>
+              <a:t>16-02-2023</a:t>
             </a:fld>
             <a:endParaRPr lang="en-IN"/>
           </a:p>
@@ -4302,7 +4310,7 @@
           <a:p>
             <a:fld id="{92DEE4D9-415A-4566-87ED-FCF56ABD0D49}" type="datetimeFigureOut">
               <a:rPr lang="en-IN" smtClean="0"/>
-              <a:t>12-02-2023</a:t>
+              <a:t>16-02-2023</a:t>
             </a:fld>
             <a:endParaRPr lang="en-IN"/>
           </a:p>
@@ -4565,7 +4573,7 @@
           <a:p>
             <a:fld id="{92DEE4D9-415A-4566-87ED-FCF56ABD0D49}" type="datetimeFigureOut">
               <a:rPr lang="en-IN" smtClean="0"/>
-              <a:t>12-02-2023</a:t>
+              <a:t>16-02-2023</a:t>
             </a:fld>
             <a:endParaRPr lang="en-IN"/>
           </a:p>
@@ -5308,7 +5316,7 @@
           <a:p>
             <a:fld id="{92DEE4D9-415A-4566-87ED-FCF56ABD0D49}" type="datetimeFigureOut">
               <a:rPr lang="en-IN" smtClean="0"/>
-              <a:t>12-02-2023</a:t>
+              <a:t>16-02-2023</a:t>
             </a:fld>
             <a:endParaRPr lang="en-IN"/>
           </a:p>
@@ -5837,6 +5845,1055 @@
           <p:cNvPr id="2" name="Title 1">
             <a:extLst>
               <a:ext uri="{FF2B5EF4-FFF2-40B4-BE49-F238E27FC236}">
+                <a16:creationId xmlns:a16="http://schemas.microsoft.com/office/drawing/2014/main" id="{A56CF040-D902-6A6A-3ADD-B9E9BA344F99}"/>
+              </a:ext>
+            </a:extLst>
+          </p:cNvPr>
+          <p:cNvSpPr>
+            <a:spLocks noGrp="1"/>
+          </p:cNvSpPr>
+          <p:nvPr>
+            <p:ph type="title"/>
+          </p:nvPr>
+        </p:nvSpPr>
+        <p:spPr/>
+        <p:txBody>
+          <a:bodyPr/>
+          <a:lstStyle/>
+          <a:p>
+            <a:r>
+              <a:rPr lang="en-IN" dirty="0"/>
+              <a:t>Junit5 and Mockito</a:t>
+            </a:r>
+          </a:p>
+        </p:txBody>
+      </p:sp>
+      <p:sp>
+        <p:nvSpPr>
+          <p:cNvPr id="3" name="Content Placeholder 2">
+            <a:extLst>
+              <a:ext uri="{FF2B5EF4-FFF2-40B4-BE49-F238E27FC236}">
+                <a16:creationId xmlns:a16="http://schemas.microsoft.com/office/drawing/2014/main" id="{F724046E-F3B7-9F3B-A55F-7B15006D5CF2}"/>
+              </a:ext>
+            </a:extLst>
+          </p:cNvPr>
+          <p:cNvSpPr>
+            <a:spLocks noGrp="1"/>
+          </p:cNvSpPr>
+          <p:nvPr>
+            <p:ph idx="1"/>
+          </p:nvPr>
+        </p:nvSpPr>
+        <p:spPr/>
+        <p:txBody>
+          <a:bodyPr/>
+          <a:lstStyle/>
+          <a:p>
+            <a:r>
+              <a:rPr lang="en-IN" dirty="0"/>
+              <a:t>Junit5 introduction</a:t>
+            </a:r>
+          </a:p>
+          <a:p>
+            <a:r>
+              <a:rPr lang="en-IN" dirty="0"/>
+              <a:t>Junit5 architecture</a:t>
+            </a:r>
+          </a:p>
+          <a:p>
+            <a:r>
+              <a:rPr lang="en-IN" dirty="0"/>
+              <a:t>Example programs</a:t>
+            </a:r>
+          </a:p>
+          <a:p>
+            <a:r>
+              <a:rPr lang="en-IN" dirty="0"/>
+              <a:t>Mockito introduction</a:t>
+            </a:r>
+          </a:p>
+          <a:p>
+            <a:r>
+              <a:rPr lang="en-IN" dirty="0"/>
+              <a:t>Mockito benefits.</a:t>
+            </a:r>
+          </a:p>
+          <a:p>
+            <a:r>
+              <a:rPr lang="en-IN" dirty="0"/>
+              <a:t>Mockito methods</a:t>
+            </a:r>
+          </a:p>
+          <a:p>
+            <a:r>
+              <a:rPr lang="en-IN" dirty="0"/>
+              <a:t>Mockito stubbing</a:t>
+            </a:r>
+          </a:p>
+          <a:p>
+            <a:r>
+              <a:rPr lang="en-IN" dirty="0"/>
+              <a:t>Examples        </a:t>
+            </a:r>
+          </a:p>
+          <a:p>
+            <a:pPr marL="0" indent="0">
+              <a:buNone/>
+            </a:pPr>
+            <a:endParaRPr lang="en-IN" dirty="0"/>
+          </a:p>
+        </p:txBody>
+      </p:sp>
+    </p:spTree>
+    <p:extLst>
+      <p:ext uri="{BB962C8B-B14F-4D97-AF65-F5344CB8AC3E}">
+        <p14:creationId xmlns:p14="http://schemas.microsoft.com/office/powerpoint/2010/main" val="741842490"/>
+      </p:ext>
+    </p:extLst>
+  </p:cSld>
+  <p:clrMapOvr>
+    <a:masterClrMapping/>
+  </p:clrMapOvr>
+</p:sld>
+</file>
+
+<file path=ppt/slides/slide10.xml><?xml version="1.0" encoding="utf-8"?>
+<p:sld xmlns:a="http://schemas.openxmlformats.org/drawingml/2006/main" xmlns:r="http://schemas.openxmlformats.org/officeDocument/2006/relationships" xmlns:p="http://schemas.openxmlformats.org/presentationml/2006/main">
+  <p:cSld>
+    <p:spTree>
+      <p:nvGrpSpPr>
+        <p:cNvPr id="1" name=""/>
+        <p:cNvGrpSpPr/>
+        <p:nvPr/>
+      </p:nvGrpSpPr>
+      <p:grpSpPr>
+        <a:xfrm>
+          <a:off x="0" y="0"/>
+          <a:ext cx="0" cy="0"/>
+          <a:chOff x="0" y="0"/>
+          <a:chExt cx="0" cy="0"/>
+        </a:xfrm>
+      </p:grpSpPr>
+      <p:sp>
+        <p:nvSpPr>
+          <p:cNvPr id="2" name="Title 1">
+            <a:extLst>
+              <a:ext uri="{FF2B5EF4-FFF2-40B4-BE49-F238E27FC236}">
+                <a16:creationId xmlns:a16="http://schemas.microsoft.com/office/drawing/2014/main" id="{E67AB1A8-E5BE-41BB-CD01-0FE27516C335}"/>
+              </a:ext>
+            </a:extLst>
+          </p:cNvPr>
+          <p:cNvSpPr>
+            <a:spLocks noGrp="1"/>
+          </p:cNvSpPr>
+          <p:nvPr>
+            <p:ph type="title"/>
+          </p:nvPr>
+        </p:nvSpPr>
+        <p:spPr/>
+        <p:txBody>
+          <a:bodyPr/>
+          <a:lstStyle/>
+          <a:p>
+            <a:r>
+              <a:rPr lang="en-IN" b="0" i="0" dirty="0">
+                <a:solidFill>
+                  <a:srgbClr val="610B38"/>
+                </a:solidFill>
+                <a:effectLst/>
+                <a:latin typeface="erdana"/>
+              </a:rPr>
+              <a:t>Benefits of Mockito</a:t>
+            </a:r>
+            <a:br>
+              <a:rPr lang="en-IN" b="0" i="0" dirty="0">
+                <a:solidFill>
+                  <a:srgbClr val="610B38"/>
+                </a:solidFill>
+                <a:effectLst/>
+                <a:latin typeface="erdana"/>
+              </a:rPr>
+            </a:br>
+            <a:endParaRPr lang="en-IN" dirty="0"/>
+          </a:p>
+        </p:txBody>
+      </p:sp>
+      <p:sp>
+        <p:nvSpPr>
+          <p:cNvPr id="3" name="Content Placeholder 2">
+            <a:extLst>
+              <a:ext uri="{FF2B5EF4-FFF2-40B4-BE49-F238E27FC236}">
+                <a16:creationId xmlns:a16="http://schemas.microsoft.com/office/drawing/2014/main" id="{69F9A362-D47F-75BB-75CA-0A65F5666D49}"/>
+              </a:ext>
+            </a:extLst>
+          </p:cNvPr>
+          <p:cNvSpPr>
+            <a:spLocks noGrp="1"/>
+          </p:cNvSpPr>
+          <p:nvPr>
+            <p:ph idx="1"/>
+          </p:nvPr>
+        </p:nvSpPr>
+        <p:spPr/>
+        <p:txBody>
+          <a:bodyPr/>
+          <a:lstStyle/>
+          <a:p>
+            <a:pPr algn="just">
+              <a:buFont typeface="Arial" panose="020B0604020202020204" pitchFamily="34" charset="0"/>
+              <a:buChar char="•"/>
+            </a:pPr>
+            <a:r>
+              <a:rPr lang="en-US" b="1" i="0" dirty="0">
+                <a:solidFill>
+                  <a:srgbClr val="000000"/>
+                </a:solidFill>
+                <a:effectLst/>
+                <a:latin typeface="inter-bold"/>
+              </a:rPr>
+              <a:t>No handwriting:</a:t>
+            </a:r>
+            <a:r>
+              <a:rPr lang="en-US" b="0" i="0" dirty="0">
+                <a:solidFill>
+                  <a:srgbClr val="000000"/>
+                </a:solidFill>
+                <a:effectLst/>
+                <a:latin typeface="inter-regular"/>
+              </a:rPr>
+              <a:t> In Mockito, there is no requirement for writing your mock objects.</a:t>
+            </a:r>
+          </a:p>
+          <a:p>
+            <a:pPr algn="just">
+              <a:buFont typeface="Arial" panose="020B0604020202020204" pitchFamily="34" charset="0"/>
+              <a:buChar char="•"/>
+            </a:pPr>
+            <a:r>
+              <a:rPr lang="en-US" b="1" i="0" dirty="0">
+                <a:solidFill>
+                  <a:srgbClr val="000000"/>
+                </a:solidFill>
+                <a:effectLst/>
+                <a:latin typeface="inter-bold"/>
+              </a:rPr>
+              <a:t>No handwriting:</a:t>
+            </a:r>
+            <a:r>
+              <a:rPr lang="en-US" b="0" i="0" dirty="0">
+                <a:solidFill>
+                  <a:srgbClr val="000000"/>
+                </a:solidFill>
+                <a:effectLst/>
+                <a:latin typeface="inter-regular"/>
+              </a:rPr>
+              <a:t> In Mockito, there is no requirement for writing your mock objects.</a:t>
+            </a:r>
+          </a:p>
+          <a:p>
+            <a:pPr algn="just">
+              <a:buFont typeface="Arial" panose="020B0604020202020204" pitchFamily="34" charset="0"/>
+              <a:buChar char="•"/>
+            </a:pPr>
+            <a:r>
+              <a:rPr lang="en-US" b="1" i="0" dirty="0">
+                <a:solidFill>
+                  <a:srgbClr val="000000"/>
+                </a:solidFill>
+                <a:effectLst/>
+                <a:latin typeface="inter-bold"/>
+              </a:rPr>
+              <a:t>Safe refactoring:</a:t>
+            </a:r>
+            <a:r>
+              <a:rPr lang="en-US" b="0" i="0" dirty="0">
+                <a:solidFill>
+                  <a:srgbClr val="000000"/>
+                </a:solidFill>
+                <a:effectLst/>
+                <a:latin typeface="inter-regular"/>
+              </a:rPr>
+              <a:t> While renaming the method name of an interface or interchanging the parameters do not change the test code, as mock objects are created at runtime.</a:t>
+            </a:r>
+          </a:p>
+          <a:p>
+            <a:pPr algn="just">
+              <a:buFont typeface="Arial" panose="020B0604020202020204" pitchFamily="34" charset="0"/>
+              <a:buChar char="•"/>
+            </a:pPr>
+            <a:r>
+              <a:rPr lang="en-US" b="1" i="0" dirty="0">
+                <a:solidFill>
+                  <a:srgbClr val="000000"/>
+                </a:solidFill>
+                <a:effectLst/>
+                <a:latin typeface="inter-bold"/>
+              </a:rPr>
+              <a:t>Exception support:</a:t>
+            </a:r>
+            <a:r>
+              <a:rPr lang="en-US" b="0" i="0" dirty="0">
+                <a:solidFill>
+                  <a:srgbClr val="000000"/>
+                </a:solidFill>
+                <a:effectLst/>
+                <a:latin typeface="inter-regular"/>
+              </a:rPr>
+              <a:t> It supports the exception. In Mockito, the stack trace is used to find the cause of the exception.</a:t>
+            </a:r>
+          </a:p>
+          <a:p>
+            <a:pPr algn="just">
+              <a:buFont typeface="Arial" panose="020B0604020202020204" pitchFamily="34" charset="0"/>
+              <a:buChar char="•"/>
+            </a:pPr>
+            <a:r>
+              <a:rPr lang="en-US" b="1" i="0" dirty="0">
+                <a:solidFill>
+                  <a:srgbClr val="000000"/>
+                </a:solidFill>
+                <a:effectLst/>
+                <a:latin typeface="inter-bold"/>
+              </a:rPr>
+              <a:t>Annotation support:</a:t>
+            </a:r>
+            <a:r>
+              <a:rPr lang="en-US" b="0" i="0" dirty="0">
+                <a:solidFill>
+                  <a:srgbClr val="000000"/>
+                </a:solidFill>
+                <a:effectLst/>
+                <a:latin typeface="inter-regular"/>
+              </a:rPr>
+              <a:t> It creates mock objects using annotations like @Mock.</a:t>
+            </a:r>
+          </a:p>
+          <a:p>
+            <a:pPr algn="just">
+              <a:buFont typeface="Arial" panose="020B0604020202020204" pitchFamily="34" charset="0"/>
+              <a:buChar char="•"/>
+            </a:pPr>
+            <a:r>
+              <a:rPr lang="en-US" b="1" i="0" dirty="0">
+                <a:solidFill>
+                  <a:srgbClr val="000000"/>
+                </a:solidFill>
+                <a:effectLst/>
+                <a:latin typeface="inter-bold"/>
+              </a:rPr>
+              <a:t>Order support:</a:t>
+            </a:r>
+            <a:r>
+              <a:rPr lang="en-US" b="0" i="0" dirty="0">
+                <a:solidFill>
+                  <a:srgbClr val="000000"/>
+                </a:solidFill>
+                <a:effectLst/>
+                <a:latin typeface="inter-regular"/>
+              </a:rPr>
+              <a:t> It provides a check on the order of the method calls.</a:t>
+            </a:r>
+          </a:p>
+          <a:p>
+            <a:endParaRPr lang="en-IN" dirty="0"/>
+          </a:p>
+        </p:txBody>
+      </p:sp>
+    </p:spTree>
+    <p:extLst>
+      <p:ext uri="{BB962C8B-B14F-4D97-AF65-F5344CB8AC3E}">
+        <p14:creationId xmlns:p14="http://schemas.microsoft.com/office/powerpoint/2010/main" val="454625937"/>
+      </p:ext>
+    </p:extLst>
+  </p:cSld>
+  <p:clrMapOvr>
+    <a:masterClrMapping/>
+  </p:clrMapOvr>
+</p:sld>
+</file>
+
+<file path=ppt/slides/slide11.xml><?xml version="1.0" encoding="utf-8"?>
+<p:sld xmlns:a="http://schemas.openxmlformats.org/drawingml/2006/main" xmlns:r="http://schemas.openxmlformats.org/officeDocument/2006/relationships" xmlns:p="http://schemas.openxmlformats.org/presentationml/2006/main">
+  <p:cSld>
+    <p:spTree>
+      <p:nvGrpSpPr>
+        <p:cNvPr id="1" name=""/>
+        <p:cNvGrpSpPr/>
+        <p:nvPr/>
+      </p:nvGrpSpPr>
+      <p:grpSpPr>
+        <a:xfrm>
+          <a:off x="0" y="0"/>
+          <a:ext cx="0" cy="0"/>
+          <a:chOff x="0" y="0"/>
+          <a:chExt cx="0" cy="0"/>
+        </a:xfrm>
+      </p:grpSpPr>
+      <p:sp>
+        <p:nvSpPr>
+          <p:cNvPr id="2" name="Title 1">
+            <a:extLst>
+              <a:ext uri="{FF2B5EF4-FFF2-40B4-BE49-F238E27FC236}">
+                <a16:creationId xmlns:a16="http://schemas.microsoft.com/office/drawing/2014/main" id="{1F848CB4-8611-0F6B-6E97-4FE25FBC9407}"/>
+              </a:ext>
+            </a:extLst>
+          </p:cNvPr>
+          <p:cNvSpPr>
+            <a:spLocks noGrp="1"/>
+          </p:cNvSpPr>
+          <p:nvPr>
+            <p:ph type="title"/>
+          </p:nvPr>
+        </p:nvSpPr>
+        <p:spPr/>
+        <p:txBody>
+          <a:bodyPr/>
+          <a:lstStyle/>
+          <a:p>
+            <a:r>
+              <a:rPr lang="en-IN" b="0" i="0" dirty="0">
+                <a:solidFill>
+                  <a:srgbClr val="610B38"/>
+                </a:solidFill>
+                <a:effectLst/>
+                <a:latin typeface="erdana"/>
+              </a:rPr>
+              <a:t>Methods of Mockito</a:t>
+            </a:r>
+            <a:br>
+              <a:rPr lang="en-IN" b="0" i="0" dirty="0">
+                <a:solidFill>
+                  <a:srgbClr val="610B38"/>
+                </a:solidFill>
+                <a:effectLst/>
+                <a:latin typeface="erdana"/>
+              </a:rPr>
+            </a:br>
+            <a:endParaRPr lang="en-IN" dirty="0"/>
+          </a:p>
+        </p:txBody>
+      </p:sp>
+      <p:sp>
+        <p:nvSpPr>
+          <p:cNvPr id="3" name="Content Placeholder 2">
+            <a:extLst>
+              <a:ext uri="{FF2B5EF4-FFF2-40B4-BE49-F238E27FC236}">
+                <a16:creationId xmlns:a16="http://schemas.microsoft.com/office/drawing/2014/main" id="{608F2831-6BE6-BD83-4DA9-94294CD80399}"/>
+              </a:ext>
+            </a:extLst>
+          </p:cNvPr>
+          <p:cNvSpPr>
+            <a:spLocks noGrp="1"/>
+          </p:cNvSpPr>
+          <p:nvPr>
+            <p:ph idx="1"/>
+          </p:nvPr>
+        </p:nvSpPr>
+        <p:spPr>
+          <a:xfrm>
+            <a:off x="677334" y="2070941"/>
+            <a:ext cx="8596668" cy="3880773"/>
+          </a:xfrm>
+        </p:spPr>
+        <p:txBody>
+          <a:bodyPr>
+            <a:normAutofit/>
+          </a:bodyPr>
+          <a:lstStyle/>
+          <a:p>
+            <a:r>
+              <a:rPr lang="en-IN" b="0" i="0" dirty="0">
+                <a:solidFill>
+                  <a:srgbClr val="610B38"/>
+                </a:solidFill>
+                <a:effectLst/>
+                <a:latin typeface="erdana"/>
+              </a:rPr>
+              <a:t>Mockito mock() method</a:t>
+            </a:r>
+          </a:p>
+          <a:p>
+            <a:pPr marL="0" indent="0">
+              <a:buNone/>
+            </a:pPr>
+            <a:r>
+              <a:rPr lang="en-US" b="0" i="0" dirty="0">
+                <a:solidFill>
+                  <a:srgbClr val="333333"/>
+                </a:solidFill>
+                <a:effectLst/>
+                <a:latin typeface="inter-regular"/>
+              </a:rPr>
+              <a:t>               -It is used to create mock objects of a given class or interface.</a:t>
+            </a:r>
+          </a:p>
+          <a:p>
+            <a:pPr marL="0" indent="0">
+              <a:buNone/>
+            </a:pPr>
+            <a:r>
+              <a:rPr lang="en-IN" b="1" i="0" dirty="0">
+                <a:solidFill>
+                  <a:srgbClr val="000000"/>
+                </a:solidFill>
+                <a:effectLst/>
+                <a:latin typeface="inter-bold"/>
+              </a:rPr>
+              <a:t>              Syntax:</a:t>
+            </a:r>
+            <a:r>
+              <a:rPr lang="en-IN" b="0" i="0" dirty="0">
+                <a:solidFill>
+                  <a:srgbClr val="000000"/>
+                </a:solidFill>
+                <a:effectLst/>
+                <a:latin typeface="inter-regular"/>
+              </a:rPr>
+              <a:t> &lt;T&gt; mock(Class&lt;T&gt; </a:t>
+            </a:r>
+            <a:r>
+              <a:rPr lang="en-IN" b="0" i="0" dirty="0" err="1">
+                <a:solidFill>
+                  <a:srgbClr val="000000"/>
+                </a:solidFill>
+                <a:effectLst/>
+                <a:latin typeface="inter-regular"/>
+              </a:rPr>
+              <a:t>classToMock</a:t>
+            </a:r>
+            <a:r>
+              <a:rPr lang="en-IN" b="0" i="0" dirty="0">
+                <a:solidFill>
+                  <a:srgbClr val="000000"/>
+                </a:solidFill>
+                <a:effectLst/>
+                <a:latin typeface="inter-regular"/>
+              </a:rPr>
+              <a:t>)</a:t>
+            </a:r>
+          </a:p>
+          <a:p>
+            <a:pPr marL="0" indent="0">
+              <a:buNone/>
+            </a:pPr>
+            <a:r>
+              <a:rPr lang="en-IN" dirty="0">
+                <a:solidFill>
+                  <a:srgbClr val="000000"/>
+                </a:solidFill>
+                <a:latin typeface="inter-regular"/>
+              </a:rPr>
+              <a:t>             Ex:  </a:t>
+            </a:r>
+            <a:r>
+              <a:rPr lang="en-IN" b="0" i="0" dirty="0" err="1">
+                <a:solidFill>
+                  <a:srgbClr val="000000"/>
+                </a:solidFill>
+                <a:effectLst/>
+                <a:latin typeface="inter-regular"/>
+              </a:rPr>
+              <a:t>StudentService</a:t>
+            </a:r>
+            <a:r>
+              <a:rPr lang="en-IN" b="0" i="0" dirty="0">
+                <a:solidFill>
+                  <a:srgbClr val="000000"/>
+                </a:solidFill>
+                <a:effectLst/>
+                <a:latin typeface="inter-regular"/>
+              </a:rPr>
+              <a:t> </a:t>
+            </a:r>
+            <a:r>
+              <a:rPr lang="en-IN" b="0" i="0" dirty="0" err="1">
+                <a:solidFill>
+                  <a:srgbClr val="000000"/>
+                </a:solidFill>
+                <a:effectLst/>
+                <a:latin typeface="inter-regular"/>
+              </a:rPr>
+              <a:t>mockService</a:t>
+            </a:r>
+            <a:r>
+              <a:rPr lang="en-IN" b="0" i="0" dirty="0">
+                <a:solidFill>
+                  <a:srgbClr val="000000"/>
+                </a:solidFill>
+                <a:effectLst/>
+                <a:latin typeface="inter-regular"/>
+              </a:rPr>
+              <a:t> = mock(</a:t>
+            </a:r>
+            <a:r>
+              <a:rPr lang="en-IN" b="0" i="0" dirty="0" err="1">
+                <a:solidFill>
+                  <a:srgbClr val="000000"/>
+                </a:solidFill>
+                <a:effectLst/>
+                <a:latin typeface="inter-regular"/>
+              </a:rPr>
+              <a:t>StudentService.</a:t>
+            </a:r>
+            <a:r>
+              <a:rPr lang="en-IN" b="1" i="0" dirty="0" err="1">
+                <a:solidFill>
+                  <a:srgbClr val="006699"/>
+                </a:solidFill>
+                <a:effectLst/>
+                <a:latin typeface="inter-regular"/>
+              </a:rPr>
+              <a:t>class</a:t>
+            </a:r>
+            <a:r>
+              <a:rPr lang="en-IN" b="0" i="0" dirty="0">
+                <a:solidFill>
+                  <a:srgbClr val="000000"/>
+                </a:solidFill>
+                <a:effectLst/>
+                <a:latin typeface="inter-regular"/>
+              </a:rPr>
+              <a:t>);  </a:t>
+            </a:r>
+            <a:endParaRPr lang="en-IN" b="0" i="0" dirty="0">
+              <a:solidFill>
+                <a:srgbClr val="610B38"/>
+              </a:solidFill>
+              <a:effectLst/>
+              <a:latin typeface="erdana"/>
+            </a:endParaRPr>
+          </a:p>
+          <a:p>
+            <a:r>
+              <a:rPr lang="en-IN" b="0" i="0" dirty="0">
+                <a:solidFill>
+                  <a:srgbClr val="610B38"/>
+                </a:solidFill>
+                <a:effectLst/>
+                <a:latin typeface="erdana"/>
+              </a:rPr>
+              <a:t>Mockito when() method</a:t>
+            </a:r>
+          </a:p>
+          <a:p>
+            <a:pPr marL="0" indent="0">
+              <a:buNone/>
+            </a:pPr>
+            <a:r>
+              <a:rPr lang="en-IN" dirty="0">
+                <a:solidFill>
+                  <a:srgbClr val="610B38"/>
+                </a:solidFill>
+                <a:latin typeface="erdana"/>
+              </a:rPr>
+              <a:t>              </a:t>
+            </a:r>
+            <a:r>
+              <a:rPr lang="en-US" b="0" i="0" dirty="0">
+                <a:solidFill>
+                  <a:srgbClr val="333333"/>
+                </a:solidFill>
+                <a:effectLst/>
+                <a:latin typeface="inter-regular"/>
+              </a:rPr>
+              <a:t>It enables stubbing methods. It should be used when we want to mock to return specific values when particular methods are called. In simple terms</a:t>
+            </a:r>
+            <a:endParaRPr lang="en-IN" dirty="0">
+              <a:solidFill>
+                <a:srgbClr val="610B38"/>
+              </a:solidFill>
+              <a:latin typeface="erdana"/>
+            </a:endParaRPr>
+          </a:p>
+          <a:p>
+            <a:pPr marL="0" indent="0">
+              <a:buNone/>
+            </a:pPr>
+            <a:r>
+              <a:rPr lang="en-IN" b="0" i="0" dirty="0">
+                <a:solidFill>
+                  <a:srgbClr val="610B38"/>
+                </a:solidFill>
+                <a:effectLst/>
+                <a:latin typeface="erdana"/>
+              </a:rPr>
+              <a:t>        </a:t>
+            </a:r>
+            <a:r>
+              <a:rPr lang="en-US" b="1" i="0" dirty="0">
+                <a:solidFill>
+                  <a:srgbClr val="333333"/>
+                </a:solidFill>
+                <a:effectLst/>
+                <a:latin typeface="inter-bold"/>
+              </a:rPr>
+              <a:t>Syntax: &lt;T&gt; when(T </a:t>
+            </a:r>
+            <a:r>
+              <a:rPr lang="en-US" b="1" i="0" dirty="0" err="1">
+                <a:solidFill>
+                  <a:srgbClr val="333333"/>
+                </a:solidFill>
+                <a:effectLst/>
+                <a:latin typeface="inter-bold"/>
+              </a:rPr>
+              <a:t>methodCall</a:t>
+            </a:r>
+            <a:r>
+              <a:rPr lang="en-US" b="1" i="0" dirty="0">
+                <a:solidFill>
+                  <a:srgbClr val="333333"/>
+                </a:solidFill>
+                <a:effectLst/>
+                <a:latin typeface="inter-bold"/>
+              </a:rPr>
+              <a:t>)</a:t>
+            </a:r>
+            <a:endParaRPr lang="en-IN" b="1" i="0" dirty="0">
+              <a:solidFill>
+                <a:srgbClr val="610B38"/>
+              </a:solidFill>
+              <a:effectLst/>
+              <a:latin typeface="erdana"/>
+            </a:endParaRPr>
+          </a:p>
+          <a:p>
+            <a:pPr marL="0" indent="0">
+              <a:buNone/>
+            </a:pPr>
+            <a:r>
+              <a:rPr lang="en-IN" b="1" dirty="0">
+                <a:solidFill>
+                  <a:srgbClr val="610B38"/>
+                </a:solidFill>
+                <a:latin typeface="erdana"/>
+              </a:rPr>
+              <a:t>        Ex: </a:t>
+            </a:r>
+            <a:r>
+              <a:rPr lang="en-US" b="0" i="0" dirty="0">
+                <a:solidFill>
+                  <a:srgbClr val="000000"/>
+                </a:solidFill>
+                <a:effectLst/>
+                <a:latin typeface="inter-regular"/>
+              </a:rPr>
+              <a:t>when(</a:t>
+            </a:r>
+            <a:r>
+              <a:rPr lang="en-US" b="0" i="0" dirty="0" err="1">
+                <a:solidFill>
+                  <a:srgbClr val="000000"/>
+                </a:solidFill>
+                <a:effectLst/>
+                <a:latin typeface="inter-regular"/>
+              </a:rPr>
+              <a:t>mock.someCode</a:t>
+            </a:r>
+            <a:r>
+              <a:rPr lang="en-US" b="0" i="0" dirty="0">
+                <a:solidFill>
+                  <a:srgbClr val="000000"/>
+                </a:solidFill>
+                <a:effectLst/>
+                <a:latin typeface="inter-regular"/>
+              </a:rPr>
+              <a:t> ()).</a:t>
+            </a:r>
+            <a:r>
+              <a:rPr lang="en-US" b="0" i="0" dirty="0" err="1">
+                <a:solidFill>
+                  <a:srgbClr val="000000"/>
+                </a:solidFill>
+                <a:effectLst/>
+                <a:latin typeface="inter-regular"/>
+              </a:rPr>
+              <a:t>thenReturn</a:t>
+            </a:r>
+            <a:r>
+              <a:rPr lang="en-US" b="0" i="0" dirty="0">
+                <a:solidFill>
+                  <a:srgbClr val="000000"/>
+                </a:solidFill>
+                <a:effectLst/>
+                <a:latin typeface="inter-regular"/>
+              </a:rPr>
+              <a:t>(</a:t>
+            </a:r>
+            <a:r>
+              <a:rPr lang="en-US" b="0" i="0" dirty="0">
+                <a:solidFill>
+                  <a:srgbClr val="C00000"/>
+                </a:solidFill>
+                <a:effectLst/>
+                <a:latin typeface="inter-regular"/>
+              </a:rPr>
+              <a:t>5</a:t>
+            </a:r>
+            <a:r>
+              <a:rPr lang="en-US" b="0" i="0" dirty="0">
+                <a:solidFill>
+                  <a:srgbClr val="000000"/>
+                </a:solidFill>
+                <a:effectLst/>
+                <a:latin typeface="inter-regular"/>
+              </a:rPr>
+              <a:t>); </a:t>
+            </a:r>
+            <a:endParaRPr lang="en-IN" b="0" i="0" dirty="0">
+              <a:solidFill>
+                <a:srgbClr val="610B38"/>
+              </a:solidFill>
+              <a:effectLst/>
+              <a:latin typeface="erdana"/>
+            </a:endParaRPr>
+          </a:p>
+          <a:p>
+            <a:endParaRPr lang="en-IN" b="0" i="0" dirty="0">
+              <a:solidFill>
+                <a:srgbClr val="610B38"/>
+              </a:solidFill>
+              <a:effectLst/>
+              <a:latin typeface="erdana"/>
+            </a:endParaRPr>
+          </a:p>
+          <a:p>
+            <a:pPr marL="0" indent="0">
+              <a:buNone/>
+            </a:pPr>
+            <a:endParaRPr lang="en-IN" dirty="0"/>
+          </a:p>
+        </p:txBody>
+      </p:sp>
+    </p:spTree>
+    <p:extLst>
+      <p:ext uri="{BB962C8B-B14F-4D97-AF65-F5344CB8AC3E}">
+        <p14:creationId xmlns:p14="http://schemas.microsoft.com/office/powerpoint/2010/main" val="250375306"/>
+      </p:ext>
+    </p:extLst>
+  </p:cSld>
+  <p:clrMapOvr>
+    <a:masterClrMapping/>
+  </p:clrMapOvr>
+</p:sld>
+</file>
+
+<file path=ppt/slides/slide12.xml><?xml version="1.0" encoding="utf-8"?>
+<p:sld xmlns:a="http://schemas.openxmlformats.org/drawingml/2006/main" xmlns:r="http://schemas.openxmlformats.org/officeDocument/2006/relationships" xmlns:p="http://schemas.openxmlformats.org/presentationml/2006/main">
+  <p:cSld>
+    <p:spTree>
+      <p:nvGrpSpPr>
+        <p:cNvPr id="1" name=""/>
+        <p:cNvGrpSpPr/>
+        <p:nvPr/>
+      </p:nvGrpSpPr>
+      <p:grpSpPr>
+        <a:xfrm>
+          <a:off x="0" y="0"/>
+          <a:ext cx="0" cy="0"/>
+          <a:chOff x="0" y="0"/>
+          <a:chExt cx="0" cy="0"/>
+        </a:xfrm>
+      </p:grpSpPr>
+      <p:sp>
+        <p:nvSpPr>
+          <p:cNvPr id="3" name="Content Placeholder 2">
+            <a:extLst>
+              <a:ext uri="{FF2B5EF4-FFF2-40B4-BE49-F238E27FC236}">
+                <a16:creationId xmlns:a16="http://schemas.microsoft.com/office/drawing/2014/main" id="{96F31252-6CE9-45E1-5D43-566E94C40BB4}"/>
+              </a:ext>
+            </a:extLst>
+          </p:cNvPr>
+          <p:cNvSpPr>
+            <a:spLocks noGrp="1"/>
+          </p:cNvSpPr>
+          <p:nvPr>
+            <p:ph idx="1"/>
+          </p:nvPr>
+        </p:nvSpPr>
+        <p:spPr>
+          <a:xfrm>
+            <a:off x="524934" y="690378"/>
+            <a:ext cx="8596668" cy="3880773"/>
+          </a:xfrm>
+        </p:spPr>
+        <p:txBody>
+          <a:bodyPr/>
+          <a:lstStyle/>
+          <a:p>
+            <a:r>
+              <a:rPr lang="en-IN" b="0" i="0" dirty="0">
+                <a:solidFill>
+                  <a:srgbClr val="610B38"/>
+                </a:solidFill>
+                <a:effectLst/>
+                <a:latin typeface="erdana"/>
+              </a:rPr>
+              <a:t>Mockito spy() method</a:t>
+            </a:r>
+          </a:p>
+          <a:p>
+            <a:pPr marL="0" indent="0">
+              <a:buNone/>
+            </a:pPr>
+            <a:r>
+              <a:rPr lang="en-US" b="0" i="0" dirty="0">
+                <a:solidFill>
+                  <a:srgbClr val="333333"/>
+                </a:solidFill>
+                <a:effectLst/>
+                <a:latin typeface="inter-regular"/>
+              </a:rPr>
+              <a:t>      Mockito provides a method to partially mock an object, which is known as    the </a:t>
+            </a:r>
+            <a:r>
+              <a:rPr lang="en-US" b="1" i="0" dirty="0">
+                <a:solidFill>
+                  <a:srgbClr val="333333"/>
+                </a:solidFill>
+                <a:effectLst/>
+                <a:latin typeface="inter-bold"/>
+              </a:rPr>
+              <a:t>spy</a:t>
+            </a:r>
+            <a:r>
+              <a:rPr lang="en-US" b="0" i="0" dirty="0">
+                <a:solidFill>
+                  <a:srgbClr val="333333"/>
+                </a:solidFill>
+                <a:effectLst/>
+                <a:latin typeface="inter-regular"/>
+              </a:rPr>
+              <a:t> method. When using the spy method, there exists a real object, and spies or stubs are created of that real object. If we don't stub a method using spy, it will call the real method behavior. The main function of the spy() method is that it overrides the specific methods of the real object. One of the functions of the spy() method is it verifies the invocation of a certain method.</a:t>
+            </a:r>
+          </a:p>
+          <a:p>
+            <a:pPr marL="0" indent="0">
+              <a:buNone/>
+            </a:pPr>
+            <a:r>
+              <a:rPr lang="en-US" dirty="0">
+                <a:solidFill>
+                  <a:srgbClr val="333333"/>
+                </a:solidFill>
+                <a:latin typeface="inter-regular"/>
+              </a:rPr>
+              <a:t>Ex: </a:t>
+            </a:r>
+            <a:r>
+              <a:rPr lang="en-IN" b="0" i="0" dirty="0" err="1">
+                <a:solidFill>
+                  <a:srgbClr val="000000"/>
+                </a:solidFill>
+                <a:effectLst/>
+                <a:latin typeface="inter-regular"/>
+              </a:rPr>
+              <a:t>StudentService</a:t>
+            </a:r>
+            <a:r>
+              <a:rPr lang="en-IN" b="0" i="0" dirty="0">
+                <a:solidFill>
+                  <a:srgbClr val="000000"/>
+                </a:solidFill>
+                <a:effectLst/>
+                <a:latin typeface="inter-regular"/>
+              </a:rPr>
+              <a:t>  </a:t>
+            </a:r>
+            <a:r>
+              <a:rPr lang="en-IN" b="0" i="0" dirty="0" err="1">
+                <a:solidFill>
+                  <a:srgbClr val="000000"/>
+                </a:solidFill>
+                <a:effectLst/>
+                <a:latin typeface="inter-regular"/>
+              </a:rPr>
+              <a:t>spyService</a:t>
+            </a:r>
+            <a:r>
+              <a:rPr lang="en-IN" b="0" i="0" dirty="0">
+                <a:solidFill>
+                  <a:srgbClr val="000000"/>
+                </a:solidFill>
+                <a:effectLst/>
+                <a:latin typeface="inter-regular"/>
+              </a:rPr>
+              <a:t>= spy(</a:t>
+            </a:r>
+            <a:r>
+              <a:rPr lang="en-IN" b="0" i="0" dirty="0" err="1">
+                <a:solidFill>
+                  <a:srgbClr val="000000"/>
+                </a:solidFill>
+                <a:effectLst/>
+                <a:latin typeface="inter-regular"/>
+              </a:rPr>
+              <a:t>StudentService.</a:t>
+            </a:r>
+            <a:r>
+              <a:rPr lang="en-IN" b="1" i="0" dirty="0" err="1">
+                <a:solidFill>
+                  <a:srgbClr val="006699"/>
+                </a:solidFill>
+                <a:effectLst/>
+                <a:latin typeface="inter-regular"/>
+              </a:rPr>
+              <a:t>class</a:t>
+            </a:r>
+            <a:r>
+              <a:rPr lang="en-IN" b="0" i="0" dirty="0">
+                <a:solidFill>
+                  <a:srgbClr val="000000"/>
+                </a:solidFill>
+                <a:effectLst/>
+                <a:latin typeface="inter-regular"/>
+              </a:rPr>
+              <a:t>);  </a:t>
+            </a:r>
+          </a:p>
+          <a:p>
+            <a:pPr marL="0" indent="0">
+              <a:buNone/>
+            </a:pPr>
+            <a:endParaRPr lang="en-IN" dirty="0"/>
+          </a:p>
+        </p:txBody>
+      </p:sp>
+    </p:spTree>
+    <p:extLst>
+      <p:ext uri="{BB962C8B-B14F-4D97-AF65-F5344CB8AC3E}">
+        <p14:creationId xmlns:p14="http://schemas.microsoft.com/office/powerpoint/2010/main" val="3215298538"/>
+      </p:ext>
+    </p:extLst>
+  </p:cSld>
+  <p:clrMapOvr>
+    <a:masterClrMapping/>
+  </p:clrMapOvr>
+</p:sld>
+</file>
+
+<file path=ppt/slides/slide2.xml><?xml version="1.0" encoding="utf-8"?>
+<p:sld xmlns:a="http://schemas.openxmlformats.org/drawingml/2006/main" xmlns:r="http://schemas.openxmlformats.org/officeDocument/2006/relationships" xmlns:p="http://schemas.openxmlformats.org/presentationml/2006/main">
+  <p:cSld>
+    <p:spTree>
+      <p:nvGrpSpPr>
+        <p:cNvPr id="1" name=""/>
+        <p:cNvGrpSpPr/>
+        <p:nvPr/>
+      </p:nvGrpSpPr>
+      <p:grpSpPr>
+        <a:xfrm>
+          <a:off x="0" y="0"/>
+          <a:ext cx="0" cy="0"/>
+          <a:chOff x="0" y="0"/>
+          <a:chExt cx="0" cy="0"/>
+        </a:xfrm>
+      </p:grpSpPr>
+      <p:sp>
+        <p:nvSpPr>
+          <p:cNvPr id="2" name="Title 1">
+            <a:extLst>
+              <a:ext uri="{FF2B5EF4-FFF2-40B4-BE49-F238E27FC236}">
                 <a16:creationId xmlns:a16="http://schemas.microsoft.com/office/drawing/2014/main" id="{2078A4A5-69CC-4E01-2CC6-18316ACA2AB1}"/>
               </a:ext>
             </a:extLst>
@@ -5848,23 +6905,16 @@
             <p:ph type="ctrTitle"/>
           </p:nvPr>
         </p:nvSpPr>
-        <p:spPr/>
+        <p:spPr>
+          <a:xfrm>
+            <a:off x="1211232" y="1050863"/>
+            <a:ext cx="7766936" cy="1646302"/>
+          </a:xfrm>
+        </p:spPr>
         <p:txBody>
           <a:bodyPr/>
           <a:lstStyle/>
           <a:p>
-            <a:r>
-              <a:rPr lang="en-IN" sz="1800" dirty="0">
-                <a:solidFill>
-                  <a:srgbClr val="BA3925"/>
-                </a:solidFill>
-                <a:effectLst/>
-                <a:latin typeface="Open Sans" panose="020B0606030504020204" pitchFamily="34" charset="0"/>
-                <a:ea typeface="Times New Roman" panose="02020603050405020304" pitchFamily="18" charset="0"/>
-                <a:cs typeface="Times New Roman" panose="02020603050405020304" pitchFamily="18" charset="0"/>
-              </a:rPr>
-              <a:t>What is JUnit 5?</a:t>
-            </a:r>
             <a:br>
               <a:rPr lang="en-IN" sz="1800" dirty="0">
                 <a:effectLst/>
@@ -5893,14 +6943,19 @@
             <p:ph type="subTitle" idx="1"/>
           </p:nvPr>
         </p:nvSpPr>
-        <p:spPr/>
+        <p:spPr>
+          <a:xfrm>
+            <a:off x="969185" y="1746902"/>
+            <a:ext cx="8443756" cy="3542273"/>
+          </a:xfrm>
+        </p:spPr>
         <p:txBody>
           <a:bodyPr>
-            <a:normAutofit fontScale="25000" lnSpcReduction="20000"/>
+            <a:noAutofit/>
           </a:bodyPr>
           <a:lstStyle/>
           <a:p>
-            <a:pPr>
+            <a:pPr algn="l">
               <a:lnSpc>
                 <a:spcPct val="107000"/>
               </a:lnSpc>
@@ -5909,7 +6964,7 @@
               </a:spcAft>
             </a:pPr>
             <a:r>
-              <a:rPr lang="en-IN" sz="1800" spc="-10" dirty="0">
+              <a:rPr lang="en-IN" sz="1600" spc="-10" dirty="0">
                 <a:solidFill>
                   <a:srgbClr val="000000"/>
                 </a:solidFill>
@@ -5922,7 +6977,7 @@
             </a:r>
           </a:p>
           <a:p>
-            <a:pPr>
+            <a:pPr algn="l">
               <a:lnSpc>
                 <a:spcPct val="107000"/>
               </a:lnSpc>
@@ -5931,7 +6986,7 @@
               </a:spcAft>
             </a:pPr>
             <a:r>
-              <a:rPr lang="en-IN" sz="1800" b="1" spc="-5" dirty="0">
+              <a:rPr lang="en-IN" sz="2000" b="1" spc="-5" dirty="0">
                 <a:solidFill>
                   <a:srgbClr val="000000"/>
                 </a:solidFill>
@@ -5943,7 +6998,7 @@
               <a:t>JUnit 5 = </a:t>
             </a:r>
             <a:r>
-              <a:rPr lang="en-IN" sz="1800" b="1" i="1" spc="-5" dirty="0">
+              <a:rPr lang="en-IN" sz="2000" b="1" i="1" spc="-5" dirty="0">
                 <a:solidFill>
                   <a:srgbClr val="000000"/>
                 </a:solidFill>
@@ -5955,7 +7010,7 @@
               <a:t>JUnit Platform</a:t>
             </a:r>
             <a:r>
-              <a:rPr lang="en-IN" sz="1800" b="1" spc="-5" dirty="0">
+              <a:rPr lang="en-IN" sz="2000" b="1" spc="-5" dirty="0">
                 <a:solidFill>
                   <a:srgbClr val="000000"/>
                 </a:solidFill>
@@ -5967,7 +7022,7 @@
               <a:t> + </a:t>
             </a:r>
             <a:r>
-              <a:rPr lang="en-IN" sz="1800" b="1" i="1" spc="-5" dirty="0">
+              <a:rPr lang="en-IN" sz="2000" b="1" i="1" spc="-5" dirty="0">
                 <a:solidFill>
                   <a:srgbClr val="000000"/>
                 </a:solidFill>
@@ -5979,7 +7034,7 @@
               <a:t>JUnit Jupiter</a:t>
             </a:r>
             <a:r>
-              <a:rPr lang="en-IN" sz="1800" b="1" spc="-5" dirty="0">
+              <a:rPr lang="en-IN" sz="2000" b="1" spc="-5" dirty="0">
                 <a:solidFill>
                   <a:srgbClr val="000000"/>
                 </a:solidFill>
@@ -5991,7 +7046,7 @@
               <a:t> + </a:t>
             </a:r>
             <a:r>
-              <a:rPr lang="en-IN" sz="1800" b="1" i="1" spc="-5" dirty="0">
+              <a:rPr lang="en-IN" sz="2000" b="1" i="1" spc="-5" dirty="0">
                 <a:solidFill>
                   <a:srgbClr val="000000"/>
                 </a:solidFill>
@@ -6002,7 +7057,7 @@
               </a:rPr>
               <a:t>JUnit Vintage</a:t>
             </a:r>
-            <a:endParaRPr lang="en-IN" sz="1800" dirty="0">
+            <a:endParaRPr lang="en-IN" sz="2000" dirty="0">
               <a:effectLst/>
               <a:latin typeface="Calibri" panose="020F0502020204030204" pitchFamily="34" charset="0"/>
               <a:ea typeface="Calibri" panose="020F0502020204030204" pitchFamily="34" charset="0"/>
@@ -6010,7 +7065,7 @@
             </a:endParaRPr>
           </a:p>
           <a:p>
-            <a:pPr>
+            <a:pPr algn="l">
               <a:lnSpc>
                 <a:spcPct val="107000"/>
               </a:lnSpc>
@@ -6022,7 +7077,7 @@
               </a:spcAft>
             </a:pPr>
             <a:r>
-              <a:rPr lang="en-IN" sz="1800" b="0" dirty="0">
+              <a:rPr lang="en-IN" b="0" dirty="0">
                 <a:solidFill>
                   <a:srgbClr val="000000"/>
                 </a:solidFill>
@@ -6033,7 +7088,7 @@
               </a:rPr>
               <a:t>Architecture</a:t>
             </a:r>
-            <a:endParaRPr lang="en-IN" sz="1800" b="1" dirty="0">
+            <a:endParaRPr lang="en-IN" b="1" dirty="0">
               <a:solidFill>
                 <a:srgbClr val="2F5496"/>
               </a:solidFill>
@@ -6050,7 +7105,7 @@
               </a:spcAft>
             </a:pPr>
             <a:r>
-              <a:rPr lang="en-IN" sz="1800" dirty="0">
+              <a:rPr lang="en-IN" dirty="0">
                 <a:solidFill>
                   <a:srgbClr val="000000"/>
                 </a:solidFill>
@@ -6060,14 +7115,541 @@
               </a:rPr>
               <a:t>JUnit 5 comprises several different modules from three different sub-projects.</a:t>
             </a:r>
-            <a:endParaRPr lang="en-IN" sz="1800" dirty="0">
+            <a:endParaRPr lang="en-IN" dirty="0">
               <a:effectLst/>
               <a:latin typeface="Times New Roman" panose="02020603050405020304" pitchFamily="18" charset="0"/>
               <a:ea typeface="Times New Roman" panose="02020603050405020304" pitchFamily="18" charset="0"/>
             </a:endParaRPr>
           </a:p>
           <a:p>
-            <a:endParaRPr lang="en-IN" dirty="0"/>
+            <a:pPr algn="l"/>
+            <a:endParaRPr lang="en-IN" sz="1200" dirty="0"/>
+          </a:p>
+        </p:txBody>
+      </p:sp>
+      <p:sp>
+        <p:nvSpPr>
+          <p:cNvPr id="4" name="Subtitle 2">
+            <a:extLst>
+              <a:ext uri="{FF2B5EF4-FFF2-40B4-BE49-F238E27FC236}">
+                <a16:creationId xmlns:a16="http://schemas.microsoft.com/office/drawing/2014/main" id="{0E0383C9-E4B4-C57C-91FA-4E647AE61440}"/>
+              </a:ext>
+            </a:extLst>
+          </p:cNvPr>
+          <p:cNvSpPr txBox="1">
+            <a:spLocks/>
+          </p:cNvSpPr>
+          <p:nvPr/>
+        </p:nvSpPr>
+        <p:spPr>
+          <a:xfrm>
+            <a:off x="872822" y="455985"/>
+            <a:ext cx="8443756" cy="3542273"/>
+          </a:xfrm>
+          <a:prstGeom prst="rect">
+            <a:avLst/>
+          </a:prstGeom>
+        </p:spPr>
+        <p:txBody>
+          <a:bodyPr vert="horz" lIns="91440" tIns="45720" rIns="91440" bIns="45720" rtlCol="0" anchor="t">
+            <a:noAutofit/>
+          </a:bodyPr>
+          <a:lstStyle>
+            <a:lvl1pPr marL="0" indent="0" algn="r" defTabSz="457200" rtl="0" eaLnBrk="1" latinLnBrk="0" hangingPunct="1">
+              <a:spcBef>
+                <a:spcPts val="1000"/>
+              </a:spcBef>
+              <a:spcAft>
+                <a:spcPts val="0"/>
+              </a:spcAft>
+              <a:buClr>
+                <a:schemeClr val="accent1"/>
+              </a:buClr>
+              <a:buSzPct val="80000"/>
+              <a:buFont typeface="Wingdings 3" charset="2"/>
+              <a:buNone/>
+              <a:defRPr sz="1800" kern="1200">
+                <a:solidFill>
+                  <a:schemeClr val="tx1">
+                    <a:lumMod val="50000"/>
+                    <a:lumOff val="50000"/>
+                  </a:schemeClr>
+                </a:solidFill>
+                <a:latin typeface="+mn-lt"/>
+                <a:ea typeface="+mn-ea"/>
+                <a:cs typeface="+mn-cs"/>
+              </a:defRPr>
+            </a:lvl1pPr>
+            <a:lvl2pPr marL="457200" indent="0" algn="ctr" defTabSz="457200" rtl="0" eaLnBrk="1" latinLnBrk="0" hangingPunct="1">
+              <a:spcBef>
+                <a:spcPts val="1000"/>
+              </a:spcBef>
+              <a:spcAft>
+                <a:spcPts val="0"/>
+              </a:spcAft>
+              <a:buClr>
+                <a:schemeClr val="accent1"/>
+              </a:buClr>
+              <a:buSzPct val="80000"/>
+              <a:buFont typeface="Wingdings 3" charset="2"/>
+              <a:buNone/>
+              <a:defRPr sz="1600" kern="1200">
+                <a:solidFill>
+                  <a:schemeClr val="tx1">
+                    <a:tint val="75000"/>
+                  </a:schemeClr>
+                </a:solidFill>
+                <a:latin typeface="+mn-lt"/>
+                <a:ea typeface="+mn-ea"/>
+                <a:cs typeface="+mn-cs"/>
+              </a:defRPr>
+            </a:lvl2pPr>
+            <a:lvl3pPr marL="914400" indent="0" algn="ctr" defTabSz="457200" rtl="0" eaLnBrk="1" latinLnBrk="0" hangingPunct="1">
+              <a:spcBef>
+                <a:spcPts val="1000"/>
+              </a:spcBef>
+              <a:spcAft>
+                <a:spcPts val="0"/>
+              </a:spcAft>
+              <a:buClr>
+                <a:schemeClr val="accent1"/>
+              </a:buClr>
+              <a:buSzPct val="80000"/>
+              <a:buFont typeface="Wingdings 3" charset="2"/>
+              <a:buNone/>
+              <a:defRPr sz="1400" kern="1200">
+                <a:solidFill>
+                  <a:schemeClr val="tx1">
+                    <a:tint val="75000"/>
+                  </a:schemeClr>
+                </a:solidFill>
+                <a:latin typeface="+mn-lt"/>
+                <a:ea typeface="+mn-ea"/>
+                <a:cs typeface="+mn-cs"/>
+              </a:defRPr>
+            </a:lvl3pPr>
+            <a:lvl4pPr marL="1371600" indent="0" algn="ctr" defTabSz="457200" rtl="0" eaLnBrk="1" latinLnBrk="0" hangingPunct="1">
+              <a:spcBef>
+                <a:spcPts val="1000"/>
+              </a:spcBef>
+              <a:spcAft>
+                <a:spcPts val="0"/>
+              </a:spcAft>
+              <a:buClr>
+                <a:schemeClr val="accent1"/>
+              </a:buClr>
+              <a:buSzPct val="80000"/>
+              <a:buFont typeface="Wingdings 3" charset="2"/>
+              <a:buNone/>
+              <a:defRPr sz="1200" kern="1200">
+                <a:solidFill>
+                  <a:schemeClr val="tx1">
+                    <a:tint val="75000"/>
+                  </a:schemeClr>
+                </a:solidFill>
+                <a:latin typeface="+mn-lt"/>
+                <a:ea typeface="+mn-ea"/>
+                <a:cs typeface="+mn-cs"/>
+              </a:defRPr>
+            </a:lvl4pPr>
+            <a:lvl5pPr marL="1828800" indent="0" algn="ctr" defTabSz="457200" rtl="0" eaLnBrk="1" latinLnBrk="0" hangingPunct="1">
+              <a:spcBef>
+                <a:spcPts val="1000"/>
+              </a:spcBef>
+              <a:spcAft>
+                <a:spcPts val="0"/>
+              </a:spcAft>
+              <a:buClr>
+                <a:schemeClr val="accent1"/>
+              </a:buClr>
+              <a:buSzPct val="80000"/>
+              <a:buFont typeface="Wingdings 3" charset="2"/>
+              <a:buNone/>
+              <a:defRPr sz="1200" kern="1200">
+                <a:solidFill>
+                  <a:schemeClr val="tx1">
+                    <a:tint val="75000"/>
+                  </a:schemeClr>
+                </a:solidFill>
+                <a:latin typeface="+mn-lt"/>
+                <a:ea typeface="+mn-ea"/>
+                <a:cs typeface="+mn-cs"/>
+              </a:defRPr>
+            </a:lvl5pPr>
+            <a:lvl6pPr marL="2286000" indent="0" algn="ctr" defTabSz="457200" rtl="0" eaLnBrk="1" latinLnBrk="0" hangingPunct="1">
+              <a:spcBef>
+                <a:spcPts val="1000"/>
+              </a:spcBef>
+              <a:spcAft>
+                <a:spcPts val="0"/>
+              </a:spcAft>
+              <a:buClr>
+                <a:schemeClr val="accent1"/>
+              </a:buClr>
+              <a:buSzPct val="80000"/>
+              <a:buFont typeface="Wingdings 3" charset="2"/>
+              <a:buNone/>
+              <a:defRPr sz="1200" kern="1200">
+                <a:solidFill>
+                  <a:schemeClr val="tx1">
+                    <a:tint val="75000"/>
+                  </a:schemeClr>
+                </a:solidFill>
+                <a:latin typeface="+mn-lt"/>
+                <a:ea typeface="+mn-ea"/>
+                <a:cs typeface="+mn-cs"/>
+              </a:defRPr>
+            </a:lvl6pPr>
+            <a:lvl7pPr marL="2743200" indent="0" algn="ctr" defTabSz="457200" rtl="0" eaLnBrk="1" latinLnBrk="0" hangingPunct="1">
+              <a:spcBef>
+                <a:spcPts val="1000"/>
+              </a:spcBef>
+              <a:spcAft>
+                <a:spcPts val="0"/>
+              </a:spcAft>
+              <a:buClr>
+                <a:schemeClr val="accent1"/>
+              </a:buClr>
+              <a:buSzPct val="80000"/>
+              <a:buFont typeface="Wingdings 3" charset="2"/>
+              <a:buNone/>
+              <a:defRPr sz="1200" kern="1200">
+                <a:solidFill>
+                  <a:schemeClr val="tx1">
+                    <a:tint val="75000"/>
+                  </a:schemeClr>
+                </a:solidFill>
+                <a:latin typeface="+mn-lt"/>
+                <a:ea typeface="+mn-ea"/>
+                <a:cs typeface="+mn-cs"/>
+              </a:defRPr>
+            </a:lvl7pPr>
+            <a:lvl8pPr marL="3200400" indent="0" algn="ctr" defTabSz="457200" rtl="0" eaLnBrk="1" latinLnBrk="0" hangingPunct="1">
+              <a:spcBef>
+                <a:spcPts val="1000"/>
+              </a:spcBef>
+              <a:spcAft>
+                <a:spcPts val="0"/>
+              </a:spcAft>
+              <a:buClr>
+                <a:schemeClr val="accent1"/>
+              </a:buClr>
+              <a:buSzPct val="80000"/>
+              <a:buFont typeface="Wingdings 3" charset="2"/>
+              <a:buNone/>
+              <a:defRPr sz="1200" kern="1200">
+                <a:solidFill>
+                  <a:schemeClr val="tx1">
+                    <a:tint val="75000"/>
+                  </a:schemeClr>
+                </a:solidFill>
+                <a:latin typeface="+mn-lt"/>
+                <a:ea typeface="+mn-ea"/>
+                <a:cs typeface="+mn-cs"/>
+              </a:defRPr>
+            </a:lvl8pPr>
+            <a:lvl9pPr marL="3657600" indent="0" algn="ctr" defTabSz="457200" rtl="0" eaLnBrk="1" latinLnBrk="0" hangingPunct="1">
+              <a:spcBef>
+                <a:spcPts val="1000"/>
+              </a:spcBef>
+              <a:spcAft>
+                <a:spcPts val="0"/>
+              </a:spcAft>
+              <a:buClr>
+                <a:schemeClr val="accent1"/>
+              </a:buClr>
+              <a:buSzPct val="80000"/>
+              <a:buFont typeface="Wingdings 3" charset="2"/>
+              <a:buNone/>
+              <a:defRPr sz="1200" kern="1200">
+                <a:solidFill>
+                  <a:schemeClr val="tx1">
+                    <a:tint val="75000"/>
+                  </a:schemeClr>
+                </a:solidFill>
+                <a:latin typeface="+mn-lt"/>
+                <a:ea typeface="+mn-ea"/>
+                <a:cs typeface="+mn-cs"/>
+              </a:defRPr>
+            </a:lvl9pPr>
+          </a:lstStyle>
+          <a:p>
+            <a:pPr algn="l"/>
+            <a:endParaRPr lang="en-IN" sz="1200" dirty="0"/>
+          </a:p>
+        </p:txBody>
+      </p:sp>
+      <p:sp>
+        <p:nvSpPr>
+          <p:cNvPr id="5" name="Subtitle 2">
+            <a:extLst>
+              <a:ext uri="{FF2B5EF4-FFF2-40B4-BE49-F238E27FC236}">
+                <a16:creationId xmlns:a16="http://schemas.microsoft.com/office/drawing/2014/main" id="{E3E293EA-279B-95B0-8292-B1F334CD1DA7}"/>
+              </a:ext>
+            </a:extLst>
+          </p:cNvPr>
+          <p:cNvSpPr txBox="1">
+            <a:spLocks/>
+          </p:cNvSpPr>
+          <p:nvPr/>
+        </p:nvSpPr>
+        <p:spPr>
+          <a:xfrm>
+            <a:off x="1211232" y="455985"/>
+            <a:ext cx="8138956" cy="960439"/>
+          </a:xfrm>
+          <a:prstGeom prst="rect">
+            <a:avLst/>
+          </a:prstGeom>
+        </p:spPr>
+        <p:txBody>
+          <a:bodyPr vert="horz" lIns="91440" tIns="45720" rIns="91440" bIns="45720" rtlCol="0" anchor="t">
+            <a:noAutofit/>
+          </a:bodyPr>
+          <a:lstStyle>
+            <a:lvl1pPr marL="0" indent="0" algn="r" defTabSz="457200" rtl="0" eaLnBrk="1" latinLnBrk="0" hangingPunct="1">
+              <a:spcBef>
+                <a:spcPts val="1000"/>
+              </a:spcBef>
+              <a:spcAft>
+                <a:spcPts val="0"/>
+              </a:spcAft>
+              <a:buClr>
+                <a:schemeClr val="accent1"/>
+              </a:buClr>
+              <a:buSzPct val="80000"/>
+              <a:buFont typeface="Wingdings 3" charset="2"/>
+              <a:buNone/>
+              <a:defRPr sz="1800" kern="1200">
+                <a:solidFill>
+                  <a:schemeClr val="tx1">
+                    <a:lumMod val="50000"/>
+                    <a:lumOff val="50000"/>
+                  </a:schemeClr>
+                </a:solidFill>
+                <a:latin typeface="+mn-lt"/>
+                <a:ea typeface="+mn-ea"/>
+                <a:cs typeface="+mn-cs"/>
+              </a:defRPr>
+            </a:lvl1pPr>
+            <a:lvl2pPr marL="457200" indent="0" algn="ctr" defTabSz="457200" rtl="0" eaLnBrk="1" latinLnBrk="0" hangingPunct="1">
+              <a:spcBef>
+                <a:spcPts val="1000"/>
+              </a:spcBef>
+              <a:spcAft>
+                <a:spcPts val="0"/>
+              </a:spcAft>
+              <a:buClr>
+                <a:schemeClr val="accent1"/>
+              </a:buClr>
+              <a:buSzPct val="80000"/>
+              <a:buFont typeface="Wingdings 3" charset="2"/>
+              <a:buNone/>
+              <a:defRPr sz="1600" kern="1200">
+                <a:solidFill>
+                  <a:schemeClr val="tx1">
+                    <a:tint val="75000"/>
+                  </a:schemeClr>
+                </a:solidFill>
+                <a:latin typeface="+mn-lt"/>
+                <a:ea typeface="+mn-ea"/>
+                <a:cs typeface="+mn-cs"/>
+              </a:defRPr>
+            </a:lvl2pPr>
+            <a:lvl3pPr marL="914400" indent="0" algn="ctr" defTabSz="457200" rtl="0" eaLnBrk="1" latinLnBrk="0" hangingPunct="1">
+              <a:spcBef>
+                <a:spcPts val="1000"/>
+              </a:spcBef>
+              <a:spcAft>
+                <a:spcPts val="0"/>
+              </a:spcAft>
+              <a:buClr>
+                <a:schemeClr val="accent1"/>
+              </a:buClr>
+              <a:buSzPct val="80000"/>
+              <a:buFont typeface="Wingdings 3" charset="2"/>
+              <a:buNone/>
+              <a:defRPr sz="1400" kern="1200">
+                <a:solidFill>
+                  <a:schemeClr val="tx1">
+                    <a:tint val="75000"/>
+                  </a:schemeClr>
+                </a:solidFill>
+                <a:latin typeface="+mn-lt"/>
+                <a:ea typeface="+mn-ea"/>
+                <a:cs typeface="+mn-cs"/>
+              </a:defRPr>
+            </a:lvl3pPr>
+            <a:lvl4pPr marL="1371600" indent="0" algn="ctr" defTabSz="457200" rtl="0" eaLnBrk="1" latinLnBrk="0" hangingPunct="1">
+              <a:spcBef>
+                <a:spcPts val="1000"/>
+              </a:spcBef>
+              <a:spcAft>
+                <a:spcPts val="0"/>
+              </a:spcAft>
+              <a:buClr>
+                <a:schemeClr val="accent1"/>
+              </a:buClr>
+              <a:buSzPct val="80000"/>
+              <a:buFont typeface="Wingdings 3" charset="2"/>
+              <a:buNone/>
+              <a:defRPr sz="1200" kern="1200">
+                <a:solidFill>
+                  <a:schemeClr val="tx1">
+                    <a:tint val="75000"/>
+                  </a:schemeClr>
+                </a:solidFill>
+                <a:latin typeface="+mn-lt"/>
+                <a:ea typeface="+mn-ea"/>
+                <a:cs typeface="+mn-cs"/>
+              </a:defRPr>
+            </a:lvl4pPr>
+            <a:lvl5pPr marL="1828800" indent="0" algn="ctr" defTabSz="457200" rtl="0" eaLnBrk="1" latinLnBrk="0" hangingPunct="1">
+              <a:spcBef>
+                <a:spcPts val="1000"/>
+              </a:spcBef>
+              <a:spcAft>
+                <a:spcPts val="0"/>
+              </a:spcAft>
+              <a:buClr>
+                <a:schemeClr val="accent1"/>
+              </a:buClr>
+              <a:buSzPct val="80000"/>
+              <a:buFont typeface="Wingdings 3" charset="2"/>
+              <a:buNone/>
+              <a:defRPr sz="1200" kern="1200">
+                <a:solidFill>
+                  <a:schemeClr val="tx1">
+                    <a:tint val="75000"/>
+                  </a:schemeClr>
+                </a:solidFill>
+                <a:latin typeface="+mn-lt"/>
+                <a:ea typeface="+mn-ea"/>
+                <a:cs typeface="+mn-cs"/>
+              </a:defRPr>
+            </a:lvl5pPr>
+            <a:lvl6pPr marL="2286000" indent="0" algn="ctr" defTabSz="457200" rtl="0" eaLnBrk="1" latinLnBrk="0" hangingPunct="1">
+              <a:spcBef>
+                <a:spcPts val="1000"/>
+              </a:spcBef>
+              <a:spcAft>
+                <a:spcPts val="0"/>
+              </a:spcAft>
+              <a:buClr>
+                <a:schemeClr val="accent1"/>
+              </a:buClr>
+              <a:buSzPct val="80000"/>
+              <a:buFont typeface="Wingdings 3" charset="2"/>
+              <a:buNone/>
+              <a:defRPr sz="1200" kern="1200">
+                <a:solidFill>
+                  <a:schemeClr val="tx1">
+                    <a:tint val="75000"/>
+                  </a:schemeClr>
+                </a:solidFill>
+                <a:latin typeface="+mn-lt"/>
+                <a:ea typeface="+mn-ea"/>
+                <a:cs typeface="+mn-cs"/>
+              </a:defRPr>
+            </a:lvl6pPr>
+            <a:lvl7pPr marL="2743200" indent="0" algn="ctr" defTabSz="457200" rtl="0" eaLnBrk="1" latinLnBrk="0" hangingPunct="1">
+              <a:spcBef>
+                <a:spcPts val="1000"/>
+              </a:spcBef>
+              <a:spcAft>
+                <a:spcPts val="0"/>
+              </a:spcAft>
+              <a:buClr>
+                <a:schemeClr val="accent1"/>
+              </a:buClr>
+              <a:buSzPct val="80000"/>
+              <a:buFont typeface="Wingdings 3" charset="2"/>
+              <a:buNone/>
+              <a:defRPr sz="1200" kern="1200">
+                <a:solidFill>
+                  <a:schemeClr val="tx1">
+                    <a:tint val="75000"/>
+                  </a:schemeClr>
+                </a:solidFill>
+                <a:latin typeface="+mn-lt"/>
+                <a:ea typeface="+mn-ea"/>
+                <a:cs typeface="+mn-cs"/>
+              </a:defRPr>
+            </a:lvl7pPr>
+            <a:lvl8pPr marL="3200400" indent="0" algn="ctr" defTabSz="457200" rtl="0" eaLnBrk="1" latinLnBrk="0" hangingPunct="1">
+              <a:spcBef>
+                <a:spcPts val="1000"/>
+              </a:spcBef>
+              <a:spcAft>
+                <a:spcPts val="0"/>
+              </a:spcAft>
+              <a:buClr>
+                <a:schemeClr val="accent1"/>
+              </a:buClr>
+              <a:buSzPct val="80000"/>
+              <a:buFont typeface="Wingdings 3" charset="2"/>
+              <a:buNone/>
+              <a:defRPr sz="1200" kern="1200">
+                <a:solidFill>
+                  <a:schemeClr val="tx1">
+                    <a:tint val="75000"/>
+                  </a:schemeClr>
+                </a:solidFill>
+                <a:latin typeface="+mn-lt"/>
+                <a:ea typeface="+mn-ea"/>
+                <a:cs typeface="+mn-cs"/>
+              </a:defRPr>
+            </a:lvl8pPr>
+            <a:lvl9pPr marL="3657600" indent="0" algn="ctr" defTabSz="457200" rtl="0" eaLnBrk="1" latinLnBrk="0" hangingPunct="1">
+              <a:spcBef>
+                <a:spcPts val="1000"/>
+              </a:spcBef>
+              <a:spcAft>
+                <a:spcPts val="0"/>
+              </a:spcAft>
+              <a:buClr>
+                <a:schemeClr val="accent1"/>
+              </a:buClr>
+              <a:buSzPct val="80000"/>
+              <a:buFont typeface="Wingdings 3" charset="2"/>
+              <a:buNone/>
+              <a:defRPr sz="1200" kern="1200">
+                <a:solidFill>
+                  <a:schemeClr val="tx1">
+                    <a:tint val="75000"/>
+                  </a:schemeClr>
+                </a:solidFill>
+                <a:latin typeface="+mn-lt"/>
+                <a:ea typeface="+mn-ea"/>
+                <a:cs typeface="+mn-cs"/>
+              </a:defRPr>
+            </a:lvl9pPr>
+          </a:lstStyle>
+          <a:p>
+            <a:pPr algn="ctr">
+              <a:lnSpc>
+                <a:spcPct val="107000"/>
+              </a:lnSpc>
+              <a:spcAft>
+                <a:spcPts val="800"/>
+              </a:spcAft>
+            </a:pPr>
+            <a:r>
+              <a:rPr lang="en-IN" sz="3200" b="1" spc="-5" dirty="0">
+                <a:solidFill>
+                  <a:srgbClr val="0070C0"/>
+                </a:solidFill>
+                <a:latin typeface="Noto Serif" panose="02020600060500020200" pitchFamily="18" charset="0"/>
+                <a:ea typeface="Times New Roman" panose="02020603050405020304" pitchFamily="18" charset="0"/>
+                <a:cs typeface="Times New Roman" panose="02020603050405020304" pitchFamily="18" charset="0"/>
+              </a:rPr>
+              <a:t>JUnit 5</a:t>
+            </a:r>
+            <a:endParaRPr lang="en-IN" dirty="0">
+              <a:solidFill>
+                <a:srgbClr val="0070C0"/>
+              </a:solidFill>
+            </a:endParaRPr>
           </a:p>
         </p:txBody>
       </p:sp>
@@ -6084,7 +7666,7 @@
 </p:sld>
 </file>
 
-<file path=ppt/slides/slide2.xml><?xml version="1.0" encoding="utf-8"?>
+<file path=ppt/slides/slide3.xml><?xml version="1.0" encoding="utf-8"?>
 <p:sld xmlns:a="http://schemas.openxmlformats.org/drawingml/2006/main" xmlns:r="http://schemas.openxmlformats.org/officeDocument/2006/relationships" xmlns:p="http://schemas.openxmlformats.org/presentationml/2006/main">
   <p:cSld>
     <p:spTree>
@@ -6843,7 +8425,7 @@
 </p:sld>
 </file>
 
-<file path=ppt/slides/slide3.xml><?xml version="1.0" encoding="utf-8"?>
+<file path=ppt/slides/slide4.xml><?xml version="1.0" encoding="utf-8"?>
 <p:sld xmlns:a="http://schemas.openxmlformats.org/drawingml/2006/main" xmlns:r="http://schemas.openxmlformats.org/officeDocument/2006/relationships" xmlns:p="http://schemas.openxmlformats.org/presentationml/2006/main">
   <p:cSld>
     <p:spTree>
@@ -7571,7 +9153,7 @@
 </p:sld>
 </file>
 
-<file path=ppt/slides/slide4.xml><?xml version="1.0" encoding="utf-8"?>
+<file path=ppt/slides/slide5.xml><?xml version="1.0" encoding="utf-8"?>
 <p:sld xmlns:a="http://schemas.openxmlformats.org/drawingml/2006/main" xmlns:r="http://schemas.openxmlformats.org/officeDocument/2006/relationships" xmlns:p="http://schemas.openxmlformats.org/presentationml/2006/main">
   <p:cSld>
     <p:spTree>
@@ -8578,7 +10160,7 @@
 </p:sld>
 </file>
 
-<file path=ppt/slides/slide5.xml><?xml version="1.0" encoding="utf-8"?>
+<file path=ppt/slides/slide6.xml><?xml version="1.0" encoding="utf-8"?>
 <p:sld xmlns:a="http://schemas.openxmlformats.org/drawingml/2006/main" xmlns:r="http://schemas.openxmlformats.org/officeDocument/2006/relationships" xmlns:p="http://schemas.openxmlformats.org/presentationml/2006/main">
   <p:cSld>
     <p:spTree>
@@ -9493,7 +11075,7 @@
 </p:sld>
 </file>
 
-<file path=ppt/slides/slide6.xml><?xml version="1.0" encoding="utf-8"?>
+<file path=ppt/slides/slide7.xml><?xml version="1.0" encoding="utf-8"?>
 <p:sld xmlns:a="http://schemas.openxmlformats.org/drawingml/2006/main" xmlns:r="http://schemas.openxmlformats.org/officeDocument/2006/relationships" xmlns:p="http://schemas.openxmlformats.org/presentationml/2006/main">
   <p:cSld>
     <p:spTree>
@@ -10145,7 +11727,7 @@
 </p:sld>
 </file>
 
-<file path=ppt/slides/slide7.xml><?xml version="1.0" encoding="utf-8"?>
+<file path=ppt/slides/slide8.xml><?xml version="1.0" encoding="utf-8"?>
 <p:sld xmlns:a="http://schemas.openxmlformats.org/drawingml/2006/main" xmlns:r="http://schemas.openxmlformats.org/officeDocument/2006/relationships" xmlns:p="http://schemas.openxmlformats.org/presentationml/2006/main">
   <p:cSld>
     <p:spTree>
@@ -11290,589 +12872,6 @@
     <p:extLst>
       <p:ext uri="{BB962C8B-B14F-4D97-AF65-F5344CB8AC3E}">
         <p14:creationId xmlns:p14="http://schemas.microsoft.com/office/powerpoint/2010/main" val="2757691784"/>
-      </p:ext>
-    </p:extLst>
-  </p:cSld>
-  <p:clrMapOvr>
-    <a:masterClrMapping/>
-  </p:clrMapOvr>
-</p:sld>
-</file>
-
-<file path=ppt/slides/slide8.xml><?xml version="1.0" encoding="utf-8"?>
-<p:sld xmlns:a="http://schemas.openxmlformats.org/drawingml/2006/main" xmlns:r="http://schemas.openxmlformats.org/officeDocument/2006/relationships" xmlns:p="http://schemas.openxmlformats.org/presentationml/2006/main">
-  <p:cSld>
-    <p:spTree>
-      <p:nvGrpSpPr>
-        <p:cNvPr id="1" name=""/>
-        <p:cNvGrpSpPr/>
-        <p:nvPr/>
-      </p:nvGrpSpPr>
-      <p:grpSpPr>
-        <a:xfrm>
-          <a:off x="0" y="0"/>
-          <a:ext cx="0" cy="0"/>
-          <a:chOff x="0" y="0"/>
-          <a:chExt cx="0" cy="0"/>
-        </a:xfrm>
-      </p:grpSpPr>
-      <p:sp>
-        <p:nvSpPr>
-          <p:cNvPr id="2" name="Title 1">
-            <a:extLst>
-              <a:ext uri="{FF2B5EF4-FFF2-40B4-BE49-F238E27FC236}">
-                <a16:creationId xmlns:a16="http://schemas.microsoft.com/office/drawing/2014/main" id="{F8806D55-762C-7318-0C6A-1E9AB7F24CC1}"/>
-              </a:ext>
-            </a:extLst>
-          </p:cNvPr>
-          <p:cNvSpPr>
-            <a:spLocks noGrp="1"/>
-          </p:cNvSpPr>
-          <p:nvPr>
-            <p:ph type="title"/>
-          </p:nvPr>
-        </p:nvSpPr>
-        <p:spPr/>
-        <p:txBody>
-          <a:bodyPr/>
-          <a:lstStyle/>
-          <a:p>
-            <a:r>
-              <a:rPr lang="en-IN" b="0" i="0" dirty="0">
-                <a:solidFill>
-                  <a:srgbClr val="610B38"/>
-                </a:solidFill>
-                <a:effectLst/>
-                <a:latin typeface="erdana"/>
-              </a:rPr>
-              <a:t>Mockito Framework</a:t>
-            </a:r>
-            <a:br>
-              <a:rPr lang="en-IN" b="0" i="0" dirty="0">
-                <a:solidFill>
-                  <a:srgbClr val="610B38"/>
-                </a:solidFill>
-                <a:effectLst/>
-                <a:latin typeface="erdana"/>
-              </a:rPr>
-            </a:br>
-            <a:endParaRPr lang="en-IN" dirty="0"/>
-          </a:p>
-        </p:txBody>
-      </p:sp>
-      <p:sp>
-        <p:nvSpPr>
-          <p:cNvPr id="3" name="Content Placeholder 2">
-            <a:extLst>
-              <a:ext uri="{FF2B5EF4-FFF2-40B4-BE49-F238E27FC236}">
-                <a16:creationId xmlns:a16="http://schemas.microsoft.com/office/drawing/2014/main" id="{7632FCDF-217D-A2E9-0D2B-276CEA25DC8A}"/>
-              </a:ext>
-            </a:extLst>
-          </p:cNvPr>
-          <p:cNvSpPr>
-            <a:spLocks noGrp="1"/>
-          </p:cNvSpPr>
-          <p:nvPr>
-            <p:ph idx="1"/>
-          </p:nvPr>
-        </p:nvSpPr>
-        <p:spPr>
-          <a:xfrm>
-            <a:off x="677334" y="2160589"/>
-            <a:ext cx="8596668" cy="1039811"/>
-          </a:xfrm>
-        </p:spPr>
-        <p:txBody>
-          <a:bodyPr/>
-          <a:lstStyle/>
-          <a:p>
-            <a:r>
-              <a:rPr lang="en-US" b="0" i="0" dirty="0">
-                <a:solidFill>
-                  <a:srgbClr val="333333"/>
-                </a:solidFill>
-                <a:effectLst/>
-                <a:latin typeface="inter-regular"/>
-              </a:rPr>
-              <a:t>Mockito is a mocking framework. It is a Java-based library used to create simple and basic test APIs for performing unit testing of Java applications. It can also be used with other frameworks such as </a:t>
-            </a:r>
-            <a:r>
-              <a:rPr lang="en-US" b="1" i="0" dirty="0">
-                <a:solidFill>
-                  <a:srgbClr val="333333"/>
-                </a:solidFill>
-                <a:effectLst/>
-                <a:latin typeface="inter-bold"/>
-              </a:rPr>
-              <a:t>JUnit</a:t>
-            </a:r>
-            <a:r>
-              <a:rPr lang="en-US" b="0" i="0" dirty="0">
-                <a:solidFill>
-                  <a:srgbClr val="333333"/>
-                </a:solidFill>
-                <a:effectLst/>
-                <a:latin typeface="inter-regular"/>
-              </a:rPr>
-              <a:t> and </a:t>
-            </a:r>
-            <a:r>
-              <a:rPr lang="en-US" b="1" i="0" dirty="0">
-                <a:solidFill>
-                  <a:srgbClr val="333333"/>
-                </a:solidFill>
-                <a:effectLst/>
-                <a:latin typeface="inter-bold"/>
-              </a:rPr>
-              <a:t>TestNG</a:t>
-            </a:r>
-            <a:r>
-              <a:rPr lang="en-US" b="0" i="0" dirty="0">
-                <a:solidFill>
-                  <a:srgbClr val="333333"/>
-                </a:solidFill>
-                <a:effectLst/>
-                <a:latin typeface="inter-regular"/>
-              </a:rPr>
-              <a:t>.</a:t>
-            </a:r>
-          </a:p>
-          <a:p>
-            <a:pPr marL="0" indent="0">
-              <a:buNone/>
-            </a:pPr>
-            <a:endParaRPr lang="en-US" dirty="0">
-              <a:solidFill>
-                <a:srgbClr val="333333"/>
-              </a:solidFill>
-              <a:latin typeface="inter-regular"/>
-            </a:endParaRPr>
-          </a:p>
-        </p:txBody>
-      </p:sp>
-      <p:sp>
-        <p:nvSpPr>
-          <p:cNvPr id="4" name="Title 1">
-            <a:extLst>
-              <a:ext uri="{FF2B5EF4-FFF2-40B4-BE49-F238E27FC236}">
-                <a16:creationId xmlns:a16="http://schemas.microsoft.com/office/drawing/2014/main" id="{376A1D48-2649-8389-A8C6-4502800B9ED6}"/>
-              </a:ext>
-            </a:extLst>
-          </p:cNvPr>
-          <p:cNvSpPr txBox="1">
-            <a:spLocks/>
-          </p:cNvSpPr>
-          <p:nvPr/>
-        </p:nvSpPr>
-        <p:spPr>
-          <a:xfrm>
-            <a:off x="677334" y="3429000"/>
-            <a:ext cx="8596668" cy="847165"/>
-          </a:xfrm>
-          <a:prstGeom prst="rect">
-            <a:avLst/>
-          </a:prstGeom>
-        </p:spPr>
-        <p:txBody>
-          <a:bodyPr vert="horz" lIns="91440" tIns="45720" rIns="91440" bIns="45720" rtlCol="0" anchor="t">
-            <a:normAutofit/>
-          </a:bodyPr>
-          <a:lstStyle>
-            <a:lvl1pPr algn="l" defTabSz="457200" rtl="0" eaLnBrk="1" latinLnBrk="0" hangingPunct="1">
-              <a:spcBef>
-                <a:spcPct val="0"/>
-              </a:spcBef>
-              <a:buNone/>
-              <a:defRPr sz="3600" kern="1200">
-                <a:solidFill>
-                  <a:schemeClr val="accent1"/>
-                </a:solidFill>
-                <a:latin typeface="+mj-lt"/>
-                <a:ea typeface="+mj-ea"/>
-                <a:cs typeface="+mj-cs"/>
-              </a:defRPr>
-            </a:lvl1pPr>
-            <a:lvl2pPr eaLnBrk="1" hangingPunct="1">
-              <a:defRPr>
-                <a:solidFill>
-                  <a:schemeClr val="tx2"/>
-                </a:solidFill>
-              </a:defRPr>
-            </a:lvl2pPr>
-            <a:lvl3pPr eaLnBrk="1" hangingPunct="1">
-              <a:defRPr>
-                <a:solidFill>
-                  <a:schemeClr val="tx2"/>
-                </a:solidFill>
-              </a:defRPr>
-            </a:lvl3pPr>
-            <a:lvl4pPr eaLnBrk="1" hangingPunct="1">
-              <a:defRPr>
-                <a:solidFill>
-                  <a:schemeClr val="tx2"/>
-                </a:solidFill>
-              </a:defRPr>
-            </a:lvl4pPr>
-            <a:lvl5pPr eaLnBrk="1" hangingPunct="1">
-              <a:defRPr>
-                <a:solidFill>
-                  <a:schemeClr val="tx2"/>
-                </a:solidFill>
-              </a:defRPr>
-            </a:lvl5pPr>
-            <a:lvl6pPr eaLnBrk="1" hangingPunct="1">
-              <a:defRPr>
-                <a:solidFill>
-                  <a:schemeClr val="tx2"/>
-                </a:solidFill>
-              </a:defRPr>
-            </a:lvl6pPr>
-            <a:lvl7pPr eaLnBrk="1" hangingPunct="1">
-              <a:defRPr>
-                <a:solidFill>
-                  <a:schemeClr val="tx2"/>
-                </a:solidFill>
-              </a:defRPr>
-            </a:lvl7pPr>
-            <a:lvl8pPr eaLnBrk="1" hangingPunct="1">
-              <a:defRPr>
-                <a:solidFill>
-                  <a:schemeClr val="tx2"/>
-                </a:solidFill>
-              </a:defRPr>
-            </a:lvl8pPr>
-            <a:lvl9pPr eaLnBrk="1" hangingPunct="1">
-              <a:defRPr>
-                <a:solidFill>
-                  <a:schemeClr val="tx2"/>
-                </a:solidFill>
-              </a:defRPr>
-            </a:lvl9pPr>
-          </a:lstStyle>
-          <a:p>
-            <a:r>
-              <a:rPr lang="en-IN" b="0" i="0" dirty="0">
-                <a:solidFill>
-                  <a:srgbClr val="610B38"/>
-                </a:solidFill>
-                <a:effectLst/>
-                <a:latin typeface="erdana"/>
-              </a:rPr>
-              <a:t>What is Mocking?</a:t>
-            </a:r>
-          </a:p>
-          <a:p>
-            <a:endParaRPr lang="en-IN" dirty="0"/>
-          </a:p>
-        </p:txBody>
-      </p:sp>
-      <p:sp>
-        <p:nvSpPr>
-          <p:cNvPr id="5" name="Content Placeholder 2">
-            <a:extLst>
-              <a:ext uri="{FF2B5EF4-FFF2-40B4-BE49-F238E27FC236}">
-                <a16:creationId xmlns:a16="http://schemas.microsoft.com/office/drawing/2014/main" id="{E9994FBE-F403-2100-F992-243730CFC1C2}"/>
-              </a:ext>
-            </a:extLst>
-          </p:cNvPr>
-          <p:cNvSpPr txBox="1">
-            <a:spLocks/>
-          </p:cNvSpPr>
-          <p:nvPr/>
-        </p:nvSpPr>
-        <p:spPr>
-          <a:xfrm>
-            <a:off x="677334" y="4590024"/>
-            <a:ext cx="8596668" cy="1532870"/>
-          </a:xfrm>
-          <a:prstGeom prst="rect">
-            <a:avLst/>
-          </a:prstGeom>
-        </p:spPr>
-        <p:txBody>
-          <a:bodyPr vert="horz" lIns="91440" tIns="45720" rIns="91440" bIns="45720" rtlCol="0">
-            <a:normAutofit fontScale="92500" lnSpcReduction="10000"/>
-          </a:bodyPr>
-          <a:lstStyle>
-            <a:lvl1pPr marL="342900" indent="-342900" algn="l" defTabSz="457200" rtl="0" eaLnBrk="1" latinLnBrk="0" hangingPunct="1">
-              <a:spcBef>
-                <a:spcPts val="1000"/>
-              </a:spcBef>
-              <a:spcAft>
-                <a:spcPts val="0"/>
-              </a:spcAft>
-              <a:buClr>
-                <a:schemeClr val="accent1"/>
-              </a:buClr>
-              <a:buSzPct val="80000"/>
-              <a:buFont typeface="Wingdings 3" charset="2"/>
-              <a:buChar char=""/>
-              <a:defRPr sz="1800" kern="1200">
-                <a:solidFill>
-                  <a:schemeClr val="tx1">
-                    <a:lumMod val="75000"/>
-                    <a:lumOff val="25000"/>
-                  </a:schemeClr>
-                </a:solidFill>
-                <a:latin typeface="+mn-lt"/>
-                <a:ea typeface="+mn-ea"/>
-                <a:cs typeface="+mn-cs"/>
-              </a:defRPr>
-            </a:lvl1pPr>
-            <a:lvl2pPr marL="742950" indent="-285750" algn="l" defTabSz="457200" rtl="0" eaLnBrk="1" latinLnBrk="0" hangingPunct="1">
-              <a:spcBef>
-                <a:spcPts val="1000"/>
-              </a:spcBef>
-              <a:spcAft>
-                <a:spcPts val="0"/>
-              </a:spcAft>
-              <a:buClr>
-                <a:schemeClr val="accent1"/>
-              </a:buClr>
-              <a:buSzPct val="80000"/>
-              <a:buFont typeface="Wingdings 3" charset="2"/>
-              <a:buChar char=""/>
-              <a:defRPr sz="1600" kern="1200">
-                <a:solidFill>
-                  <a:schemeClr val="tx1">
-                    <a:lumMod val="75000"/>
-                    <a:lumOff val="25000"/>
-                  </a:schemeClr>
-                </a:solidFill>
-                <a:latin typeface="+mn-lt"/>
-                <a:ea typeface="+mn-ea"/>
-                <a:cs typeface="+mn-cs"/>
-              </a:defRPr>
-            </a:lvl2pPr>
-            <a:lvl3pPr marL="1143000" indent="-228600" algn="l" defTabSz="457200" rtl="0" eaLnBrk="1" latinLnBrk="0" hangingPunct="1">
-              <a:spcBef>
-                <a:spcPts val="1000"/>
-              </a:spcBef>
-              <a:spcAft>
-                <a:spcPts val="0"/>
-              </a:spcAft>
-              <a:buClr>
-                <a:schemeClr val="accent1"/>
-              </a:buClr>
-              <a:buSzPct val="80000"/>
-              <a:buFont typeface="Wingdings 3" charset="2"/>
-              <a:buChar char=""/>
-              <a:defRPr sz="1400" kern="1200">
-                <a:solidFill>
-                  <a:schemeClr val="tx1">
-                    <a:lumMod val="75000"/>
-                    <a:lumOff val="25000"/>
-                  </a:schemeClr>
-                </a:solidFill>
-                <a:latin typeface="+mn-lt"/>
-                <a:ea typeface="+mn-ea"/>
-                <a:cs typeface="+mn-cs"/>
-              </a:defRPr>
-            </a:lvl3pPr>
-            <a:lvl4pPr marL="1600200" indent="-228600" algn="l" defTabSz="457200" rtl="0" eaLnBrk="1" latinLnBrk="0" hangingPunct="1">
-              <a:spcBef>
-                <a:spcPts val="1000"/>
-              </a:spcBef>
-              <a:spcAft>
-                <a:spcPts val="0"/>
-              </a:spcAft>
-              <a:buClr>
-                <a:schemeClr val="accent1"/>
-              </a:buClr>
-              <a:buSzPct val="80000"/>
-              <a:buFont typeface="Wingdings 3" charset="2"/>
-              <a:buChar char=""/>
-              <a:defRPr sz="1200" kern="1200">
-                <a:solidFill>
-                  <a:schemeClr val="tx1">
-                    <a:lumMod val="75000"/>
-                    <a:lumOff val="25000"/>
-                  </a:schemeClr>
-                </a:solidFill>
-                <a:latin typeface="+mn-lt"/>
-                <a:ea typeface="+mn-ea"/>
-                <a:cs typeface="+mn-cs"/>
-              </a:defRPr>
-            </a:lvl4pPr>
-            <a:lvl5pPr marL="2057400" indent="-228600" algn="l" defTabSz="457200" rtl="0" eaLnBrk="1" latinLnBrk="0" hangingPunct="1">
-              <a:spcBef>
-                <a:spcPts val="1000"/>
-              </a:spcBef>
-              <a:spcAft>
-                <a:spcPts val="0"/>
-              </a:spcAft>
-              <a:buClr>
-                <a:schemeClr val="accent1"/>
-              </a:buClr>
-              <a:buSzPct val="80000"/>
-              <a:buFont typeface="Wingdings 3" charset="2"/>
-              <a:buChar char=""/>
-              <a:defRPr sz="1200" kern="1200">
-                <a:solidFill>
-                  <a:schemeClr val="tx1">
-                    <a:lumMod val="75000"/>
-                    <a:lumOff val="25000"/>
-                  </a:schemeClr>
-                </a:solidFill>
-                <a:latin typeface="+mn-lt"/>
-                <a:ea typeface="+mn-ea"/>
-                <a:cs typeface="+mn-cs"/>
-              </a:defRPr>
-            </a:lvl5pPr>
-            <a:lvl6pPr marL="2514600" indent="-228600" algn="l" defTabSz="457200" rtl="0" eaLnBrk="1" latinLnBrk="0" hangingPunct="1">
-              <a:spcBef>
-                <a:spcPts val="1000"/>
-              </a:spcBef>
-              <a:spcAft>
-                <a:spcPts val="0"/>
-              </a:spcAft>
-              <a:buClr>
-                <a:schemeClr val="accent1"/>
-              </a:buClr>
-              <a:buSzPct val="80000"/>
-              <a:buFont typeface="Wingdings 3" charset="2"/>
-              <a:buChar char=""/>
-              <a:defRPr sz="1200" kern="1200">
-                <a:solidFill>
-                  <a:schemeClr val="tx1">
-                    <a:lumMod val="75000"/>
-                    <a:lumOff val="25000"/>
-                  </a:schemeClr>
-                </a:solidFill>
-                <a:latin typeface="+mn-lt"/>
-                <a:ea typeface="+mn-ea"/>
-                <a:cs typeface="+mn-cs"/>
-              </a:defRPr>
-            </a:lvl6pPr>
-            <a:lvl7pPr marL="2971800" indent="-228600" algn="l" defTabSz="457200" rtl="0" eaLnBrk="1" latinLnBrk="0" hangingPunct="1">
-              <a:spcBef>
-                <a:spcPts val="1000"/>
-              </a:spcBef>
-              <a:spcAft>
-                <a:spcPts val="0"/>
-              </a:spcAft>
-              <a:buClr>
-                <a:schemeClr val="accent1"/>
-              </a:buClr>
-              <a:buSzPct val="80000"/>
-              <a:buFont typeface="Wingdings 3" charset="2"/>
-              <a:buChar char=""/>
-              <a:defRPr sz="1200" kern="1200">
-                <a:solidFill>
-                  <a:schemeClr val="tx1">
-                    <a:lumMod val="75000"/>
-                    <a:lumOff val="25000"/>
-                  </a:schemeClr>
-                </a:solidFill>
-                <a:latin typeface="+mn-lt"/>
-                <a:ea typeface="+mn-ea"/>
-                <a:cs typeface="+mn-cs"/>
-              </a:defRPr>
-            </a:lvl7pPr>
-            <a:lvl8pPr marL="3429000" indent="-228600" algn="l" defTabSz="457200" rtl="0" eaLnBrk="1" latinLnBrk="0" hangingPunct="1">
-              <a:spcBef>
-                <a:spcPts val="1000"/>
-              </a:spcBef>
-              <a:spcAft>
-                <a:spcPts val="0"/>
-              </a:spcAft>
-              <a:buClr>
-                <a:schemeClr val="accent1"/>
-              </a:buClr>
-              <a:buSzPct val="80000"/>
-              <a:buFont typeface="Wingdings 3" charset="2"/>
-              <a:buChar char=""/>
-              <a:defRPr sz="1200" kern="1200">
-                <a:solidFill>
-                  <a:schemeClr val="tx1">
-                    <a:lumMod val="75000"/>
-                    <a:lumOff val="25000"/>
-                  </a:schemeClr>
-                </a:solidFill>
-                <a:latin typeface="+mn-lt"/>
-                <a:ea typeface="+mn-ea"/>
-                <a:cs typeface="+mn-cs"/>
-              </a:defRPr>
-            </a:lvl8pPr>
-            <a:lvl9pPr marL="3886200" indent="-228600" algn="l" defTabSz="457200" rtl="0" eaLnBrk="1" latinLnBrk="0" hangingPunct="1">
-              <a:spcBef>
-                <a:spcPts val="1000"/>
-              </a:spcBef>
-              <a:spcAft>
-                <a:spcPts val="0"/>
-              </a:spcAft>
-              <a:buClr>
-                <a:schemeClr val="accent1"/>
-              </a:buClr>
-              <a:buSzPct val="80000"/>
-              <a:buFont typeface="Wingdings 3" charset="2"/>
-              <a:buChar char=""/>
-              <a:defRPr sz="1200" kern="1200">
-                <a:solidFill>
-                  <a:schemeClr val="tx1">
-                    <a:lumMod val="75000"/>
-                    <a:lumOff val="25000"/>
-                  </a:schemeClr>
-                </a:solidFill>
-                <a:latin typeface="+mn-lt"/>
-                <a:ea typeface="+mn-ea"/>
-                <a:cs typeface="+mn-cs"/>
-              </a:defRPr>
-            </a:lvl9pPr>
-          </a:lstStyle>
-          <a:p>
-            <a:pPr algn="ctr"/>
-            <a:r>
-              <a:rPr lang="en-US" sz="1600" dirty="0"/>
-              <a:t>Mocking is a process of developing the objects that act as the </a:t>
-            </a:r>
-            <a:r>
-              <a:rPr lang="en-US" sz="1600" b="1" dirty="0">
-                <a:effectLst/>
-                <a:latin typeface="inter-bold"/>
-              </a:rPr>
-              <a:t>mock</a:t>
-            </a:r>
-            <a:r>
-              <a:rPr lang="en-US" sz="1600" dirty="0"/>
-              <a:t> or </a:t>
-            </a:r>
-            <a:r>
-              <a:rPr lang="en-US" sz="1600" b="1" dirty="0">
-                <a:effectLst/>
-                <a:latin typeface="inter-bold"/>
-              </a:rPr>
-              <a:t>clone</a:t>
-            </a:r>
-            <a:r>
-              <a:rPr lang="en-US" sz="1600" dirty="0"/>
-              <a:t> of the real objects. In other words, mocking is a testing technique where mock objects are used instead of real objects for testing purposes. Mock objects provide a specific (dummy) output for a particular (dummy) input passed to it.</a:t>
-            </a:r>
-            <a:endParaRPr lang="en-US" sz="1600" dirty="0">
-              <a:effectLst/>
-            </a:endParaRPr>
-          </a:p>
-          <a:p>
-            <a:pPr marL="0" indent="0">
-              <a:buNone/>
-            </a:pPr>
-            <a:br>
-              <a:rPr lang="en-US" sz="1600" b="0" i="0" dirty="0">
-                <a:solidFill>
-                  <a:srgbClr val="FFFFFF"/>
-                </a:solidFill>
-                <a:effectLst/>
-                <a:latin typeface="Arial" panose="020B0604020202020204" pitchFamily="34" charset="0"/>
-              </a:rPr>
-            </a:br>
-            <a:endParaRPr lang="en-IN" sz="1600" dirty="0"/>
-          </a:p>
-        </p:txBody>
-      </p:sp>
-    </p:spTree>
-    <p:extLst>
-      <p:ext uri="{BB962C8B-B14F-4D97-AF65-F5344CB8AC3E}">
-        <p14:creationId xmlns:p14="http://schemas.microsoft.com/office/powerpoint/2010/main" val="3741156849"/>
       </p:ext>
     </p:extLst>
   </p:cSld>
@@ -11920,7 +12919,26 @@
           <a:bodyPr/>
           <a:lstStyle/>
           <a:p>
-            <a:endParaRPr lang="en-IN"/>
+            <a:r>
+              <a:rPr lang="en-IN" b="0" i="0" dirty="0">
+                <a:solidFill>
+                  <a:srgbClr val="610B38"/>
+                </a:solidFill>
+                <a:effectLst/>
+                <a:latin typeface="erdana"/>
+              </a:rPr>
+              <a:t>Mockito Framework</a:t>
+            </a:r>
+            <a:br>
+              <a:rPr lang="en-IN" b="0" i="0" dirty="0">
+                <a:solidFill>
+                  <a:srgbClr val="610B38"/>
+                </a:solidFill>
+                <a:effectLst/>
+                <a:latin typeface="erdana"/>
+              </a:rPr>
+            </a:br>
+            <a:endParaRPr lang="en-IN" dirty="0"/>
           </a:p>
         </p:txBody>
       </p:sp>
@@ -11940,12 +12958,518 @@
             <p:ph idx="1"/>
           </p:nvPr>
         </p:nvSpPr>
-        <p:spPr/>
+        <p:spPr>
+          <a:xfrm>
+            <a:off x="462181" y="1864755"/>
+            <a:ext cx="8596668" cy="989008"/>
+          </a:xfrm>
+        </p:spPr>
         <p:txBody>
           <a:bodyPr/>
           <a:lstStyle/>
           <a:p>
-            <a:endParaRPr lang="en-IN"/>
+            <a:r>
+              <a:rPr lang="en-US" b="0" i="0" dirty="0">
+                <a:solidFill>
+                  <a:srgbClr val="333333"/>
+                </a:solidFill>
+                <a:effectLst/>
+                <a:latin typeface="inter-regular"/>
+              </a:rPr>
+              <a:t>Mockito is a mocking framework. It is a Java-based library used to create simple and basic test APIs for performing unit testing of Java applications. It can also be used with other frameworks such as </a:t>
+            </a:r>
+            <a:r>
+              <a:rPr lang="en-US" b="1" i="0" dirty="0">
+                <a:solidFill>
+                  <a:srgbClr val="333333"/>
+                </a:solidFill>
+                <a:effectLst/>
+                <a:latin typeface="inter-bold"/>
+              </a:rPr>
+              <a:t>JUnit</a:t>
+            </a:r>
+            <a:r>
+              <a:rPr lang="en-US" b="0" i="0" dirty="0">
+                <a:solidFill>
+                  <a:srgbClr val="333333"/>
+                </a:solidFill>
+                <a:effectLst/>
+                <a:latin typeface="inter-regular"/>
+              </a:rPr>
+              <a:t> and </a:t>
+            </a:r>
+            <a:r>
+              <a:rPr lang="en-US" b="1" i="0" dirty="0">
+                <a:solidFill>
+                  <a:srgbClr val="333333"/>
+                </a:solidFill>
+                <a:effectLst/>
+                <a:latin typeface="inter-bold"/>
+              </a:rPr>
+              <a:t>TestNG</a:t>
+            </a:r>
+            <a:r>
+              <a:rPr lang="en-US" b="0" i="0" dirty="0">
+                <a:solidFill>
+                  <a:srgbClr val="333333"/>
+                </a:solidFill>
+                <a:effectLst/>
+                <a:latin typeface="inter-regular"/>
+              </a:rPr>
+              <a:t>.</a:t>
+            </a:r>
+          </a:p>
+          <a:p>
+            <a:endParaRPr lang="en-US" dirty="0">
+              <a:solidFill>
+                <a:srgbClr val="333333"/>
+              </a:solidFill>
+              <a:latin typeface="inter-regular"/>
+            </a:endParaRPr>
+          </a:p>
+          <a:p>
+            <a:endParaRPr lang="en-IN" dirty="0"/>
+          </a:p>
+        </p:txBody>
+      </p:sp>
+      <p:sp>
+        <p:nvSpPr>
+          <p:cNvPr id="4" name="Title 1">
+            <a:extLst>
+              <a:ext uri="{FF2B5EF4-FFF2-40B4-BE49-F238E27FC236}">
+                <a16:creationId xmlns:a16="http://schemas.microsoft.com/office/drawing/2014/main" id="{2F45FA36-70DB-9961-885B-E0D6C4E5B99A}"/>
+              </a:ext>
+            </a:extLst>
+          </p:cNvPr>
+          <p:cNvSpPr txBox="1">
+            <a:spLocks/>
+          </p:cNvSpPr>
+          <p:nvPr/>
+        </p:nvSpPr>
+        <p:spPr>
+          <a:xfrm>
+            <a:off x="793875" y="3080875"/>
+            <a:ext cx="8596668" cy="989008"/>
+          </a:xfrm>
+          <a:prstGeom prst="rect">
+            <a:avLst/>
+          </a:prstGeom>
+        </p:spPr>
+        <p:txBody>
+          <a:bodyPr vert="horz" lIns="91440" tIns="45720" rIns="91440" bIns="45720" rtlCol="0" anchor="t">
+            <a:normAutofit fontScale="92500" lnSpcReduction="20000"/>
+          </a:bodyPr>
+          <a:lstStyle>
+            <a:lvl1pPr algn="l" defTabSz="457200" rtl="0" eaLnBrk="1" latinLnBrk="0" hangingPunct="1">
+              <a:spcBef>
+                <a:spcPct val="0"/>
+              </a:spcBef>
+              <a:buNone/>
+              <a:defRPr sz="3600" kern="1200">
+                <a:solidFill>
+                  <a:schemeClr val="accent1"/>
+                </a:solidFill>
+                <a:latin typeface="+mj-lt"/>
+                <a:ea typeface="+mj-ea"/>
+                <a:cs typeface="+mj-cs"/>
+              </a:defRPr>
+            </a:lvl1pPr>
+            <a:lvl2pPr eaLnBrk="1" hangingPunct="1">
+              <a:defRPr>
+                <a:solidFill>
+                  <a:schemeClr val="tx2"/>
+                </a:solidFill>
+              </a:defRPr>
+            </a:lvl2pPr>
+            <a:lvl3pPr eaLnBrk="1" hangingPunct="1">
+              <a:defRPr>
+                <a:solidFill>
+                  <a:schemeClr val="tx2"/>
+                </a:solidFill>
+              </a:defRPr>
+            </a:lvl3pPr>
+            <a:lvl4pPr eaLnBrk="1" hangingPunct="1">
+              <a:defRPr>
+                <a:solidFill>
+                  <a:schemeClr val="tx2"/>
+                </a:solidFill>
+              </a:defRPr>
+            </a:lvl4pPr>
+            <a:lvl5pPr eaLnBrk="1" hangingPunct="1">
+              <a:defRPr>
+                <a:solidFill>
+                  <a:schemeClr val="tx2"/>
+                </a:solidFill>
+              </a:defRPr>
+            </a:lvl5pPr>
+            <a:lvl6pPr eaLnBrk="1" hangingPunct="1">
+              <a:defRPr>
+                <a:solidFill>
+                  <a:schemeClr val="tx2"/>
+                </a:solidFill>
+              </a:defRPr>
+            </a:lvl6pPr>
+            <a:lvl7pPr eaLnBrk="1" hangingPunct="1">
+              <a:defRPr>
+                <a:solidFill>
+                  <a:schemeClr val="tx2"/>
+                </a:solidFill>
+              </a:defRPr>
+            </a:lvl7pPr>
+            <a:lvl8pPr eaLnBrk="1" hangingPunct="1">
+              <a:defRPr>
+                <a:solidFill>
+                  <a:schemeClr val="tx2"/>
+                </a:solidFill>
+              </a:defRPr>
+            </a:lvl8pPr>
+            <a:lvl9pPr eaLnBrk="1" hangingPunct="1">
+              <a:defRPr>
+                <a:solidFill>
+                  <a:schemeClr val="tx2"/>
+                </a:solidFill>
+              </a:defRPr>
+            </a:lvl9pPr>
+          </a:lstStyle>
+          <a:p>
+            <a:r>
+              <a:rPr lang="en-IN" sz="2400" b="0" i="0" dirty="0">
+                <a:solidFill>
+                  <a:srgbClr val="610B38"/>
+                </a:solidFill>
+                <a:effectLst/>
+                <a:latin typeface="erdana"/>
+              </a:rPr>
+              <a:t>What is Mocking ?</a:t>
+            </a:r>
+          </a:p>
+          <a:p>
+            <a:br>
+              <a:rPr lang="en-IN" sz="2400" dirty="0">
+                <a:solidFill>
+                  <a:srgbClr val="610B38"/>
+                </a:solidFill>
+                <a:latin typeface="erdana"/>
+              </a:rPr>
+            </a:br>
+            <a:endParaRPr lang="en-IN" sz="2400" dirty="0"/>
+          </a:p>
+        </p:txBody>
+      </p:sp>
+      <p:sp>
+        <p:nvSpPr>
+          <p:cNvPr id="6" name="Content Placeholder 2">
+            <a:extLst>
+              <a:ext uri="{FF2B5EF4-FFF2-40B4-BE49-F238E27FC236}">
+                <a16:creationId xmlns:a16="http://schemas.microsoft.com/office/drawing/2014/main" id="{73E50019-FDDE-80C4-3F84-056C26F0415A}"/>
+              </a:ext>
+            </a:extLst>
+          </p:cNvPr>
+          <p:cNvSpPr txBox="1">
+            <a:spLocks/>
+          </p:cNvSpPr>
+          <p:nvPr/>
+        </p:nvSpPr>
+        <p:spPr>
+          <a:xfrm>
+            <a:off x="462181" y="4004238"/>
+            <a:ext cx="8596668" cy="1102564"/>
+          </a:xfrm>
+          <a:prstGeom prst="rect">
+            <a:avLst/>
+          </a:prstGeom>
+        </p:spPr>
+        <p:txBody>
+          <a:bodyPr vert="horz" lIns="91440" tIns="45720" rIns="91440" bIns="45720" rtlCol="0">
+            <a:normAutofit lnSpcReduction="10000"/>
+          </a:bodyPr>
+          <a:lstStyle>
+            <a:lvl1pPr marL="342900" indent="-342900" algn="l" defTabSz="457200" rtl="0" eaLnBrk="1" latinLnBrk="0" hangingPunct="1">
+              <a:spcBef>
+                <a:spcPts val="1000"/>
+              </a:spcBef>
+              <a:spcAft>
+                <a:spcPts val="0"/>
+              </a:spcAft>
+              <a:buClr>
+                <a:schemeClr val="accent1"/>
+              </a:buClr>
+              <a:buSzPct val="80000"/>
+              <a:buFont typeface="Wingdings 3" charset="2"/>
+              <a:buChar char=""/>
+              <a:defRPr sz="1800" kern="1200">
+                <a:solidFill>
+                  <a:schemeClr val="tx1">
+                    <a:lumMod val="75000"/>
+                    <a:lumOff val="25000"/>
+                  </a:schemeClr>
+                </a:solidFill>
+                <a:latin typeface="+mn-lt"/>
+                <a:ea typeface="+mn-ea"/>
+                <a:cs typeface="+mn-cs"/>
+              </a:defRPr>
+            </a:lvl1pPr>
+            <a:lvl2pPr marL="742950" indent="-285750" algn="l" defTabSz="457200" rtl="0" eaLnBrk="1" latinLnBrk="0" hangingPunct="1">
+              <a:spcBef>
+                <a:spcPts val="1000"/>
+              </a:spcBef>
+              <a:spcAft>
+                <a:spcPts val="0"/>
+              </a:spcAft>
+              <a:buClr>
+                <a:schemeClr val="accent1"/>
+              </a:buClr>
+              <a:buSzPct val="80000"/>
+              <a:buFont typeface="Wingdings 3" charset="2"/>
+              <a:buChar char=""/>
+              <a:defRPr sz="1600" kern="1200">
+                <a:solidFill>
+                  <a:schemeClr val="tx1">
+                    <a:lumMod val="75000"/>
+                    <a:lumOff val="25000"/>
+                  </a:schemeClr>
+                </a:solidFill>
+                <a:latin typeface="+mn-lt"/>
+                <a:ea typeface="+mn-ea"/>
+                <a:cs typeface="+mn-cs"/>
+              </a:defRPr>
+            </a:lvl2pPr>
+            <a:lvl3pPr marL="1143000" indent="-228600" algn="l" defTabSz="457200" rtl="0" eaLnBrk="1" latinLnBrk="0" hangingPunct="1">
+              <a:spcBef>
+                <a:spcPts val="1000"/>
+              </a:spcBef>
+              <a:spcAft>
+                <a:spcPts val="0"/>
+              </a:spcAft>
+              <a:buClr>
+                <a:schemeClr val="accent1"/>
+              </a:buClr>
+              <a:buSzPct val="80000"/>
+              <a:buFont typeface="Wingdings 3" charset="2"/>
+              <a:buChar char=""/>
+              <a:defRPr sz="1400" kern="1200">
+                <a:solidFill>
+                  <a:schemeClr val="tx1">
+                    <a:lumMod val="75000"/>
+                    <a:lumOff val="25000"/>
+                  </a:schemeClr>
+                </a:solidFill>
+                <a:latin typeface="+mn-lt"/>
+                <a:ea typeface="+mn-ea"/>
+                <a:cs typeface="+mn-cs"/>
+              </a:defRPr>
+            </a:lvl3pPr>
+            <a:lvl4pPr marL="1600200" indent="-228600" algn="l" defTabSz="457200" rtl="0" eaLnBrk="1" latinLnBrk="0" hangingPunct="1">
+              <a:spcBef>
+                <a:spcPts val="1000"/>
+              </a:spcBef>
+              <a:spcAft>
+                <a:spcPts val="0"/>
+              </a:spcAft>
+              <a:buClr>
+                <a:schemeClr val="accent1"/>
+              </a:buClr>
+              <a:buSzPct val="80000"/>
+              <a:buFont typeface="Wingdings 3" charset="2"/>
+              <a:buChar char=""/>
+              <a:defRPr sz="1200" kern="1200">
+                <a:solidFill>
+                  <a:schemeClr val="tx1">
+                    <a:lumMod val="75000"/>
+                    <a:lumOff val="25000"/>
+                  </a:schemeClr>
+                </a:solidFill>
+                <a:latin typeface="+mn-lt"/>
+                <a:ea typeface="+mn-ea"/>
+                <a:cs typeface="+mn-cs"/>
+              </a:defRPr>
+            </a:lvl4pPr>
+            <a:lvl5pPr marL="2057400" indent="-228600" algn="l" defTabSz="457200" rtl="0" eaLnBrk="1" latinLnBrk="0" hangingPunct="1">
+              <a:spcBef>
+                <a:spcPts val="1000"/>
+              </a:spcBef>
+              <a:spcAft>
+                <a:spcPts val="0"/>
+              </a:spcAft>
+              <a:buClr>
+                <a:schemeClr val="accent1"/>
+              </a:buClr>
+              <a:buSzPct val="80000"/>
+              <a:buFont typeface="Wingdings 3" charset="2"/>
+              <a:buChar char=""/>
+              <a:defRPr sz="1200" kern="1200">
+                <a:solidFill>
+                  <a:schemeClr val="tx1">
+                    <a:lumMod val="75000"/>
+                    <a:lumOff val="25000"/>
+                  </a:schemeClr>
+                </a:solidFill>
+                <a:latin typeface="+mn-lt"/>
+                <a:ea typeface="+mn-ea"/>
+                <a:cs typeface="+mn-cs"/>
+              </a:defRPr>
+            </a:lvl5pPr>
+            <a:lvl6pPr marL="2514600" indent="-228600" algn="l" defTabSz="457200" rtl="0" eaLnBrk="1" latinLnBrk="0" hangingPunct="1">
+              <a:spcBef>
+                <a:spcPts val="1000"/>
+              </a:spcBef>
+              <a:spcAft>
+                <a:spcPts val="0"/>
+              </a:spcAft>
+              <a:buClr>
+                <a:schemeClr val="accent1"/>
+              </a:buClr>
+              <a:buSzPct val="80000"/>
+              <a:buFont typeface="Wingdings 3" charset="2"/>
+              <a:buChar char=""/>
+              <a:defRPr sz="1200" kern="1200">
+                <a:solidFill>
+                  <a:schemeClr val="tx1">
+                    <a:lumMod val="75000"/>
+                    <a:lumOff val="25000"/>
+                  </a:schemeClr>
+                </a:solidFill>
+                <a:latin typeface="+mn-lt"/>
+                <a:ea typeface="+mn-ea"/>
+                <a:cs typeface="+mn-cs"/>
+              </a:defRPr>
+            </a:lvl6pPr>
+            <a:lvl7pPr marL="2971800" indent="-228600" algn="l" defTabSz="457200" rtl="0" eaLnBrk="1" latinLnBrk="0" hangingPunct="1">
+              <a:spcBef>
+                <a:spcPts val="1000"/>
+              </a:spcBef>
+              <a:spcAft>
+                <a:spcPts val="0"/>
+              </a:spcAft>
+              <a:buClr>
+                <a:schemeClr val="accent1"/>
+              </a:buClr>
+              <a:buSzPct val="80000"/>
+              <a:buFont typeface="Wingdings 3" charset="2"/>
+              <a:buChar char=""/>
+              <a:defRPr sz="1200" kern="1200">
+                <a:solidFill>
+                  <a:schemeClr val="tx1">
+                    <a:lumMod val="75000"/>
+                    <a:lumOff val="25000"/>
+                  </a:schemeClr>
+                </a:solidFill>
+                <a:latin typeface="+mn-lt"/>
+                <a:ea typeface="+mn-ea"/>
+                <a:cs typeface="+mn-cs"/>
+              </a:defRPr>
+            </a:lvl7pPr>
+            <a:lvl8pPr marL="3429000" indent="-228600" algn="l" defTabSz="457200" rtl="0" eaLnBrk="1" latinLnBrk="0" hangingPunct="1">
+              <a:spcBef>
+                <a:spcPts val="1000"/>
+              </a:spcBef>
+              <a:spcAft>
+                <a:spcPts val="0"/>
+              </a:spcAft>
+              <a:buClr>
+                <a:schemeClr val="accent1"/>
+              </a:buClr>
+              <a:buSzPct val="80000"/>
+              <a:buFont typeface="Wingdings 3" charset="2"/>
+              <a:buChar char=""/>
+              <a:defRPr sz="1200" kern="1200">
+                <a:solidFill>
+                  <a:schemeClr val="tx1">
+                    <a:lumMod val="75000"/>
+                    <a:lumOff val="25000"/>
+                  </a:schemeClr>
+                </a:solidFill>
+                <a:latin typeface="+mn-lt"/>
+                <a:ea typeface="+mn-ea"/>
+                <a:cs typeface="+mn-cs"/>
+              </a:defRPr>
+            </a:lvl8pPr>
+            <a:lvl9pPr marL="3886200" indent="-228600" algn="l" defTabSz="457200" rtl="0" eaLnBrk="1" latinLnBrk="0" hangingPunct="1">
+              <a:spcBef>
+                <a:spcPts val="1000"/>
+              </a:spcBef>
+              <a:spcAft>
+                <a:spcPts val="0"/>
+              </a:spcAft>
+              <a:buClr>
+                <a:schemeClr val="accent1"/>
+              </a:buClr>
+              <a:buSzPct val="80000"/>
+              <a:buFont typeface="Wingdings 3" charset="2"/>
+              <a:buChar char=""/>
+              <a:defRPr sz="1200" kern="1200">
+                <a:solidFill>
+                  <a:schemeClr val="tx1">
+                    <a:lumMod val="75000"/>
+                    <a:lumOff val="25000"/>
+                  </a:schemeClr>
+                </a:solidFill>
+                <a:latin typeface="+mn-lt"/>
+                <a:ea typeface="+mn-ea"/>
+                <a:cs typeface="+mn-cs"/>
+              </a:defRPr>
+            </a:lvl9pPr>
+          </a:lstStyle>
+          <a:p>
+            <a:r>
+              <a:rPr lang="en-US" b="0" i="0" dirty="0">
+                <a:solidFill>
+                  <a:srgbClr val="333333"/>
+                </a:solidFill>
+                <a:effectLst/>
+                <a:latin typeface="inter-regular"/>
+              </a:rPr>
+              <a:t>Mocking is a process of developing the objects that act as the </a:t>
+            </a:r>
+            <a:r>
+              <a:rPr lang="en-US" b="1" i="0" dirty="0">
+                <a:solidFill>
+                  <a:srgbClr val="333333"/>
+                </a:solidFill>
+                <a:effectLst/>
+                <a:latin typeface="inter-bold"/>
+              </a:rPr>
+              <a:t>mock</a:t>
+            </a:r>
+            <a:r>
+              <a:rPr lang="en-US" b="0" i="0" dirty="0">
+                <a:solidFill>
+                  <a:srgbClr val="333333"/>
+                </a:solidFill>
+                <a:effectLst/>
+                <a:latin typeface="inter-regular"/>
+              </a:rPr>
+              <a:t> or </a:t>
+            </a:r>
+            <a:r>
+              <a:rPr lang="en-US" b="1" i="0" dirty="0">
+                <a:solidFill>
+                  <a:srgbClr val="333333"/>
+                </a:solidFill>
+                <a:effectLst/>
+                <a:latin typeface="inter-bold"/>
+              </a:rPr>
+              <a:t>clone</a:t>
+            </a:r>
+            <a:r>
+              <a:rPr lang="en-US" b="0" i="0" dirty="0">
+                <a:solidFill>
+                  <a:srgbClr val="333333"/>
+                </a:solidFill>
+                <a:effectLst/>
+                <a:latin typeface="inter-regular"/>
+              </a:rPr>
+              <a:t> of the real objects. In other words, mocking is a testing technique where mock objects are used instead of real objects for testing purposes. Mock objects provide a specific (dummy) output for a particular (dummy) input passed to it.</a:t>
+            </a:r>
+            <a:endParaRPr lang="en-US" dirty="0">
+              <a:solidFill>
+                <a:srgbClr val="333333"/>
+              </a:solidFill>
+              <a:latin typeface="inter-regular"/>
+            </a:endParaRPr>
+          </a:p>
+          <a:p>
+            <a:endParaRPr lang="en-IN" dirty="0"/>
           </a:p>
         </p:txBody>
       </p:sp>
